--- a/presentazione/presentazioneBD2BarberisRobertazzi.pptx
+++ b/presentazione/presentazioneBD2BarberisRobertazzi.pptx
@@ -108,6 +108,11 @@
       </a:defRPr>
     </a:lvl9pPr>
   </p:defaultTextStyle>
+  <p:extLst>
+    <p:ext uri="{EFAFB233-063F-42B5-8137-9DF3F51BA10A}">
+      <p15:sldGuideLst xmlns:p15="http://schemas.microsoft.com/office/powerpoint/2012/main"/>
+    </p:ext>
+  </p:extLst>
 </p:presentation>
 </file>
 
@@ -6044,8 +6049,8 @@
         </p:nvSpPr>
         <p:spPr>
           <a:xfrm>
-            <a:off x="1934487" y="1903446"/>
-            <a:ext cx="2618852" cy="665476"/>
+            <a:off x="1850597" y="1929468"/>
+            <a:ext cx="3660970" cy="694224"/>
           </a:xfrm>
           <a:prstGeom prst="rect">
             <a:avLst/>
@@ -6228,13 +6233,13 @@
               <a:buNone/>
             </a:pPr>
             <a:r>
-              <a:rPr lang="it-IT" sz="2400" dirty="0">
+              <a:rPr lang="it-IT" sz="2000" b="1" dirty="0">
                 <a:solidFill>
                   <a:srgbClr val="0000AB"/>
                 </a:solidFill>
                 <a:latin typeface="Lato"/>
               </a:rPr>
-              <a:t>Ricerca per anno</a:t>
+              <a:t>Ricerca per tipo di bicicletta:</a:t>
             </a:r>
           </a:p>
         </p:txBody>
@@ -6255,8 +6260,8 @@
         </p:nvSpPr>
         <p:spPr>
           <a:xfrm>
-            <a:off x="6805068" y="4933885"/>
-            <a:ext cx="2093400" cy="452400"/>
+            <a:off x="1905950" y="2511658"/>
+            <a:ext cx="2866571" cy="1071659"/>
           </a:xfrm>
           <a:prstGeom prst="rect">
             <a:avLst/>
@@ -6439,8 +6444,13 @@
               <a:buNone/>
             </a:pPr>
             <a:r>
-              <a:rPr lang="it-IT" dirty="0"/>
-              <a:t>Viene effettuata una ricerca in base all’anno.</a:t>
+              <a:rPr lang="it-IT" sz="1600" dirty="0">
+                <a:solidFill>
+                  <a:srgbClr val="0000AB"/>
+                </a:solidFill>
+                <a:latin typeface="Lato"/>
+              </a:rPr>
+              <a:t>Viene effettuata una ricerca in base al tipo di bicicletta, potendo scegliere sia il giorno sia il mese.</a:t>
             </a:r>
           </a:p>
         </p:txBody>
@@ -6463,8 +6473,8 @@
         </p:nvSpPr>
         <p:spPr>
           <a:xfrm>
-            <a:off x="1383981" y="1903446"/>
-            <a:ext cx="550506" cy="555936"/>
+            <a:off x="1162700" y="2024725"/>
+            <a:ext cx="743250" cy="486933"/>
           </a:xfrm>
           <a:prstGeom prst="rect">
             <a:avLst/>
@@ -6486,7 +6496,7 @@
               <a:buNone/>
             </a:pPr>
             <a:r>
-              <a:rPr lang="en" sz="2400" dirty="0">
+              <a:rPr lang="en" sz="2400" b="1" dirty="0">
                 <a:solidFill>
                   <a:srgbClr val="0000AB"/>
                 </a:solidFill>
@@ -6494,6 +6504,12 @@
               </a:rPr>
               <a:t>01</a:t>
             </a:r>
+            <a:endParaRPr lang="en" sz="1800" b="1" dirty="0">
+              <a:solidFill>
+                <a:srgbClr val="0000AB"/>
+              </a:solidFill>
+              <a:latin typeface="Lato"/>
+            </a:endParaRPr>
           </a:p>
         </p:txBody>
       </p:sp>
@@ -6513,7 +6529,7 @@
         </p:nvSpPr>
         <p:spPr>
           <a:xfrm>
-            <a:off x="2631013" y="175095"/>
+            <a:off x="2631013" y="292544"/>
             <a:ext cx="6929973" cy="1289812"/>
           </a:xfrm>
           <a:prstGeom prst="rect">
@@ -6558,6 +6574,1486 @@
               </a:rPr>
               <a:t>Query implementate</a:t>
             </a:r>
+          </a:p>
+        </p:txBody>
+      </p:sp>
+      <p:sp>
+        <p:nvSpPr>
+          <p:cNvPr id="8" name="Google Shape;1516;p37">
+            <a:extLst>
+              <a:ext uri="{FF2B5EF4-FFF2-40B4-BE49-F238E27FC236}">
+                <a16:creationId xmlns:a16="http://schemas.microsoft.com/office/drawing/2014/main" id="{9CD57F80-2359-42AE-905B-D3C30E372B6E}"/>
+              </a:ext>
+            </a:extLst>
+          </p:cNvPr>
+          <p:cNvSpPr txBox="1">
+            <a:spLocks/>
+          </p:cNvSpPr>
+          <p:nvPr/>
+        </p:nvSpPr>
+        <p:spPr>
+          <a:xfrm>
+            <a:off x="7474834" y="1929468"/>
+            <a:ext cx="3065352" cy="694224"/>
+          </a:xfrm>
+          <a:prstGeom prst="rect">
+            <a:avLst/>
+          </a:prstGeom>
+        </p:spPr>
+        <p:txBody>
+          <a:bodyPr spcFirstLastPara="1" vert="horz" wrap="square" lIns="91425" tIns="91425" rIns="91425" bIns="91425" rtlCol="0" anchor="ctr" anchorCtr="0">
+            <a:noAutofit/>
+          </a:bodyPr>
+          <a:lstStyle>
+            <a:lvl1pPr marL="228600" indent="-228600" algn="l" defTabSz="914400" rtl="0" eaLnBrk="1" latinLnBrk="0" hangingPunct="1">
+              <a:lnSpc>
+                <a:spcPct val="90000"/>
+              </a:lnSpc>
+              <a:spcBef>
+                <a:spcPts val="1000"/>
+              </a:spcBef>
+              <a:buFont typeface="Arial" panose="020B0604020202020204" pitchFamily="34" charset="0"/>
+              <a:buChar char="•"/>
+              <a:defRPr sz="2800" kern="1200">
+                <a:solidFill>
+                  <a:schemeClr val="tx1"/>
+                </a:solidFill>
+                <a:latin typeface="+mn-lt"/>
+                <a:ea typeface="+mn-ea"/>
+                <a:cs typeface="+mn-cs"/>
+              </a:defRPr>
+            </a:lvl1pPr>
+            <a:lvl2pPr marL="685800" indent="-228600" algn="l" defTabSz="914400" rtl="0" eaLnBrk="1" latinLnBrk="0" hangingPunct="1">
+              <a:lnSpc>
+                <a:spcPct val="90000"/>
+              </a:lnSpc>
+              <a:spcBef>
+                <a:spcPts val="500"/>
+              </a:spcBef>
+              <a:buFont typeface="Arial" panose="020B0604020202020204" pitchFamily="34" charset="0"/>
+              <a:buChar char="•"/>
+              <a:defRPr sz="2400" kern="1200">
+                <a:solidFill>
+                  <a:schemeClr val="tx1"/>
+                </a:solidFill>
+                <a:latin typeface="+mn-lt"/>
+                <a:ea typeface="+mn-ea"/>
+                <a:cs typeface="+mn-cs"/>
+              </a:defRPr>
+            </a:lvl2pPr>
+            <a:lvl3pPr marL="1143000" indent="-228600" algn="l" defTabSz="914400" rtl="0" eaLnBrk="1" latinLnBrk="0" hangingPunct="1">
+              <a:lnSpc>
+                <a:spcPct val="90000"/>
+              </a:lnSpc>
+              <a:spcBef>
+                <a:spcPts val="500"/>
+              </a:spcBef>
+              <a:buFont typeface="Arial" panose="020B0604020202020204" pitchFamily="34" charset="0"/>
+              <a:buChar char="•"/>
+              <a:defRPr sz="2000" kern="1200">
+                <a:solidFill>
+                  <a:schemeClr val="tx1"/>
+                </a:solidFill>
+                <a:latin typeface="+mn-lt"/>
+                <a:ea typeface="+mn-ea"/>
+                <a:cs typeface="+mn-cs"/>
+              </a:defRPr>
+            </a:lvl3pPr>
+            <a:lvl4pPr marL="1600200" indent="-228600" algn="l" defTabSz="914400" rtl="0" eaLnBrk="1" latinLnBrk="0" hangingPunct="1">
+              <a:lnSpc>
+                <a:spcPct val="90000"/>
+              </a:lnSpc>
+              <a:spcBef>
+                <a:spcPts val="500"/>
+              </a:spcBef>
+              <a:buFont typeface="Arial" panose="020B0604020202020204" pitchFamily="34" charset="0"/>
+              <a:buChar char="•"/>
+              <a:defRPr sz="1800" kern="1200">
+                <a:solidFill>
+                  <a:schemeClr val="tx1"/>
+                </a:solidFill>
+                <a:latin typeface="+mn-lt"/>
+                <a:ea typeface="+mn-ea"/>
+                <a:cs typeface="+mn-cs"/>
+              </a:defRPr>
+            </a:lvl4pPr>
+            <a:lvl5pPr marL="2057400" indent="-228600" algn="l" defTabSz="914400" rtl="0" eaLnBrk="1" latinLnBrk="0" hangingPunct="1">
+              <a:lnSpc>
+                <a:spcPct val="90000"/>
+              </a:lnSpc>
+              <a:spcBef>
+                <a:spcPts val="500"/>
+              </a:spcBef>
+              <a:buFont typeface="Arial" panose="020B0604020202020204" pitchFamily="34" charset="0"/>
+              <a:buChar char="•"/>
+              <a:defRPr sz="1800" kern="1200">
+                <a:solidFill>
+                  <a:schemeClr val="tx1"/>
+                </a:solidFill>
+                <a:latin typeface="+mn-lt"/>
+                <a:ea typeface="+mn-ea"/>
+                <a:cs typeface="+mn-cs"/>
+              </a:defRPr>
+            </a:lvl5pPr>
+            <a:lvl6pPr marL="2514600" indent="-228600" algn="l" defTabSz="914400" rtl="0" eaLnBrk="1" latinLnBrk="0" hangingPunct="1">
+              <a:lnSpc>
+                <a:spcPct val="90000"/>
+              </a:lnSpc>
+              <a:spcBef>
+                <a:spcPts val="500"/>
+              </a:spcBef>
+              <a:buFont typeface="Arial" panose="020B0604020202020204" pitchFamily="34" charset="0"/>
+              <a:buChar char="•"/>
+              <a:defRPr sz="1800" kern="1200">
+                <a:solidFill>
+                  <a:schemeClr val="tx1"/>
+                </a:solidFill>
+                <a:latin typeface="+mn-lt"/>
+                <a:ea typeface="+mn-ea"/>
+                <a:cs typeface="+mn-cs"/>
+              </a:defRPr>
+            </a:lvl6pPr>
+            <a:lvl7pPr marL="2971800" indent="-228600" algn="l" defTabSz="914400" rtl="0" eaLnBrk="1" latinLnBrk="0" hangingPunct="1">
+              <a:lnSpc>
+                <a:spcPct val="90000"/>
+              </a:lnSpc>
+              <a:spcBef>
+                <a:spcPts val="500"/>
+              </a:spcBef>
+              <a:buFont typeface="Arial" panose="020B0604020202020204" pitchFamily="34" charset="0"/>
+              <a:buChar char="•"/>
+              <a:defRPr sz="1800" kern="1200">
+                <a:solidFill>
+                  <a:schemeClr val="tx1"/>
+                </a:solidFill>
+                <a:latin typeface="+mn-lt"/>
+                <a:ea typeface="+mn-ea"/>
+                <a:cs typeface="+mn-cs"/>
+              </a:defRPr>
+            </a:lvl7pPr>
+            <a:lvl8pPr marL="3429000" indent="-228600" algn="l" defTabSz="914400" rtl="0" eaLnBrk="1" latinLnBrk="0" hangingPunct="1">
+              <a:lnSpc>
+                <a:spcPct val="90000"/>
+              </a:lnSpc>
+              <a:spcBef>
+                <a:spcPts val="500"/>
+              </a:spcBef>
+              <a:buFont typeface="Arial" panose="020B0604020202020204" pitchFamily="34" charset="0"/>
+              <a:buChar char="•"/>
+              <a:defRPr sz="1800" kern="1200">
+                <a:solidFill>
+                  <a:schemeClr val="tx1"/>
+                </a:solidFill>
+                <a:latin typeface="+mn-lt"/>
+                <a:ea typeface="+mn-ea"/>
+                <a:cs typeface="+mn-cs"/>
+              </a:defRPr>
+            </a:lvl8pPr>
+            <a:lvl9pPr marL="3886200" indent="-228600" algn="l" defTabSz="914400" rtl="0" eaLnBrk="1" latinLnBrk="0" hangingPunct="1">
+              <a:lnSpc>
+                <a:spcPct val="90000"/>
+              </a:lnSpc>
+              <a:spcBef>
+                <a:spcPts val="500"/>
+              </a:spcBef>
+              <a:buFont typeface="Arial" panose="020B0604020202020204" pitchFamily="34" charset="0"/>
+              <a:buChar char="•"/>
+              <a:defRPr sz="1800" kern="1200">
+                <a:solidFill>
+                  <a:schemeClr val="tx1"/>
+                </a:solidFill>
+                <a:latin typeface="+mn-lt"/>
+                <a:ea typeface="+mn-ea"/>
+                <a:cs typeface="+mn-cs"/>
+              </a:defRPr>
+            </a:lvl9pPr>
+          </a:lstStyle>
+          <a:p>
+            <a:pPr marL="0" indent="0">
+              <a:spcBef>
+                <a:spcPts val="0"/>
+              </a:spcBef>
+              <a:buFont typeface="Arial" panose="020B0604020202020204" pitchFamily="34" charset="0"/>
+              <a:buNone/>
+            </a:pPr>
+            <a:r>
+              <a:rPr lang="it-IT" sz="2000" b="1" dirty="0">
+                <a:solidFill>
+                  <a:srgbClr val="0000AB"/>
+                </a:solidFill>
+                <a:latin typeface="Lato"/>
+              </a:rPr>
+              <a:t>Ricerca per mese:</a:t>
+            </a:r>
+          </a:p>
+        </p:txBody>
+      </p:sp>
+      <p:sp>
+        <p:nvSpPr>
+          <p:cNvPr id="9" name="Google Shape;1517;p37">
+            <a:extLst>
+              <a:ext uri="{FF2B5EF4-FFF2-40B4-BE49-F238E27FC236}">
+                <a16:creationId xmlns:a16="http://schemas.microsoft.com/office/drawing/2014/main" id="{649314EA-B80C-4CE7-8E97-FC3E3243224E}"/>
+              </a:ext>
+            </a:extLst>
+          </p:cNvPr>
+          <p:cNvSpPr txBox="1">
+            <a:spLocks/>
+          </p:cNvSpPr>
+          <p:nvPr/>
+        </p:nvSpPr>
+        <p:spPr>
+          <a:xfrm>
+            <a:off x="7474834" y="2399624"/>
+            <a:ext cx="3459391" cy="1183693"/>
+          </a:xfrm>
+          <a:prstGeom prst="rect">
+            <a:avLst/>
+          </a:prstGeom>
+        </p:spPr>
+        <p:txBody>
+          <a:bodyPr spcFirstLastPara="1" wrap="square" lIns="91425" tIns="91425" rIns="91425" bIns="91425" anchor="b" anchorCtr="0">
+            <a:noAutofit/>
+          </a:bodyPr>
+          <a:lstStyle>
+            <a:lvl1pPr marL="228600" indent="-228600" algn="l" defTabSz="914400" rtl="0" eaLnBrk="1" latinLnBrk="0" hangingPunct="1">
+              <a:lnSpc>
+                <a:spcPct val="90000"/>
+              </a:lnSpc>
+              <a:spcBef>
+                <a:spcPts val="1000"/>
+              </a:spcBef>
+              <a:buFont typeface="Arial" panose="020B0604020202020204" pitchFamily="34" charset="0"/>
+              <a:buChar char="•"/>
+              <a:defRPr sz="2800" kern="1200">
+                <a:solidFill>
+                  <a:schemeClr val="tx1"/>
+                </a:solidFill>
+                <a:latin typeface="+mn-lt"/>
+                <a:ea typeface="+mn-ea"/>
+                <a:cs typeface="+mn-cs"/>
+              </a:defRPr>
+            </a:lvl1pPr>
+            <a:lvl2pPr marL="685800" indent="-228600" algn="l" defTabSz="914400" rtl="0" eaLnBrk="1" latinLnBrk="0" hangingPunct="1">
+              <a:lnSpc>
+                <a:spcPct val="90000"/>
+              </a:lnSpc>
+              <a:spcBef>
+                <a:spcPts val="500"/>
+              </a:spcBef>
+              <a:buFont typeface="Arial" panose="020B0604020202020204" pitchFamily="34" charset="0"/>
+              <a:buChar char="•"/>
+              <a:defRPr sz="2400" kern="1200">
+                <a:solidFill>
+                  <a:schemeClr val="tx1"/>
+                </a:solidFill>
+                <a:latin typeface="+mn-lt"/>
+                <a:ea typeface="+mn-ea"/>
+                <a:cs typeface="+mn-cs"/>
+              </a:defRPr>
+            </a:lvl2pPr>
+            <a:lvl3pPr marL="1143000" indent="-228600" algn="l" defTabSz="914400" rtl="0" eaLnBrk="1" latinLnBrk="0" hangingPunct="1">
+              <a:lnSpc>
+                <a:spcPct val="90000"/>
+              </a:lnSpc>
+              <a:spcBef>
+                <a:spcPts val="500"/>
+              </a:spcBef>
+              <a:buFont typeface="Arial" panose="020B0604020202020204" pitchFamily="34" charset="0"/>
+              <a:buChar char="•"/>
+              <a:defRPr sz="2000" kern="1200">
+                <a:solidFill>
+                  <a:schemeClr val="tx1"/>
+                </a:solidFill>
+                <a:latin typeface="+mn-lt"/>
+                <a:ea typeface="+mn-ea"/>
+                <a:cs typeface="+mn-cs"/>
+              </a:defRPr>
+            </a:lvl3pPr>
+            <a:lvl4pPr marL="1600200" indent="-228600" algn="l" defTabSz="914400" rtl="0" eaLnBrk="1" latinLnBrk="0" hangingPunct="1">
+              <a:lnSpc>
+                <a:spcPct val="90000"/>
+              </a:lnSpc>
+              <a:spcBef>
+                <a:spcPts val="500"/>
+              </a:spcBef>
+              <a:buFont typeface="Arial" panose="020B0604020202020204" pitchFamily="34" charset="0"/>
+              <a:buChar char="•"/>
+              <a:defRPr sz="1800" kern="1200">
+                <a:solidFill>
+                  <a:schemeClr val="tx1"/>
+                </a:solidFill>
+                <a:latin typeface="+mn-lt"/>
+                <a:ea typeface="+mn-ea"/>
+                <a:cs typeface="+mn-cs"/>
+              </a:defRPr>
+            </a:lvl4pPr>
+            <a:lvl5pPr marL="2057400" indent="-228600" algn="l" defTabSz="914400" rtl="0" eaLnBrk="1" latinLnBrk="0" hangingPunct="1">
+              <a:lnSpc>
+                <a:spcPct val="90000"/>
+              </a:lnSpc>
+              <a:spcBef>
+                <a:spcPts val="500"/>
+              </a:spcBef>
+              <a:buFont typeface="Arial" panose="020B0604020202020204" pitchFamily="34" charset="0"/>
+              <a:buChar char="•"/>
+              <a:defRPr sz="1800" kern="1200">
+                <a:solidFill>
+                  <a:schemeClr val="tx1"/>
+                </a:solidFill>
+                <a:latin typeface="+mn-lt"/>
+                <a:ea typeface="+mn-ea"/>
+                <a:cs typeface="+mn-cs"/>
+              </a:defRPr>
+            </a:lvl5pPr>
+            <a:lvl6pPr marL="2514600" indent="-228600" algn="l" defTabSz="914400" rtl="0" eaLnBrk="1" latinLnBrk="0" hangingPunct="1">
+              <a:lnSpc>
+                <a:spcPct val="90000"/>
+              </a:lnSpc>
+              <a:spcBef>
+                <a:spcPts val="500"/>
+              </a:spcBef>
+              <a:buFont typeface="Arial" panose="020B0604020202020204" pitchFamily="34" charset="0"/>
+              <a:buChar char="•"/>
+              <a:defRPr sz="1800" kern="1200">
+                <a:solidFill>
+                  <a:schemeClr val="tx1"/>
+                </a:solidFill>
+                <a:latin typeface="+mn-lt"/>
+                <a:ea typeface="+mn-ea"/>
+                <a:cs typeface="+mn-cs"/>
+              </a:defRPr>
+            </a:lvl6pPr>
+            <a:lvl7pPr marL="2971800" indent="-228600" algn="l" defTabSz="914400" rtl="0" eaLnBrk="1" latinLnBrk="0" hangingPunct="1">
+              <a:lnSpc>
+                <a:spcPct val="90000"/>
+              </a:lnSpc>
+              <a:spcBef>
+                <a:spcPts val="500"/>
+              </a:spcBef>
+              <a:buFont typeface="Arial" panose="020B0604020202020204" pitchFamily="34" charset="0"/>
+              <a:buChar char="•"/>
+              <a:defRPr sz="1800" kern="1200">
+                <a:solidFill>
+                  <a:schemeClr val="tx1"/>
+                </a:solidFill>
+                <a:latin typeface="+mn-lt"/>
+                <a:ea typeface="+mn-ea"/>
+                <a:cs typeface="+mn-cs"/>
+              </a:defRPr>
+            </a:lvl7pPr>
+            <a:lvl8pPr marL="3429000" indent="-228600" algn="l" defTabSz="914400" rtl="0" eaLnBrk="1" latinLnBrk="0" hangingPunct="1">
+              <a:lnSpc>
+                <a:spcPct val="90000"/>
+              </a:lnSpc>
+              <a:spcBef>
+                <a:spcPts val="500"/>
+              </a:spcBef>
+              <a:buFont typeface="Arial" panose="020B0604020202020204" pitchFamily="34" charset="0"/>
+              <a:buChar char="•"/>
+              <a:defRPr sz="1800" kern="1200">
+                <a:solidFill>
+                  <a:schemeClr val="tx1"/>
+                </a:solidFill>
+                <a:latin typeface="+mn-lt"/>
+                <a:ea typeface="+mn-ea"/>
+                <a:cs typeface="+mn-cs"/>
+              </a:defRPr>
+            </a:lvl8pPr>
+            <a:lvl9pPr marL="3886200" indent="-228600" algn="l" defTabSz="914400" rtl="0" eaLnBrk="1" latinLnBrk="0" hangingPunct="1">
+              <a:lnSpc>
+                <a:spcPct val="90000"/>
+              </a:lnSpc>
+              <a:spcBef>
+                <a:spcPts val="500"/>
+              </a:spcBef>
+              <a:buFont typeface="Arial" panose="020B0604020202020204" pitchFamily="34" charset="0"/>
+              <a:buChar char="•"/>
+              <a:defRPr sz="1800" kern="1200">
+                <a:solidFill>
+                  <a:schemeClr val="tx1"/>
+                </a:solidFill>
+                <a:latin typeface="+mn-lt"/>
+                <a:ea typeface="+mn-ea"/>
+                <a:cs typeface="+mn-cs"/>
+              </a:defRPr>
+            </a:lvl9pPr>
+          </a:lstStyle>
+          <a:p>
+            <a:pPr marL="0" indent="0">
+              <a:spcBef>
+                <a:spcPts val="0"/>
+              </a:spcBef>
+              <a:buFont typeface="Arial" panose="020B0604020202020204" pitchFamily="34" charset="0"/>
+              <a:buNone/>
+            </a:pPr>
+            <a:r>
+              <a:rPr lang="it-IT" sz="1600" dirty="0">
+                <a:solidFill>
+                  <a:srgbClr val="0000AB"/>
+                </a:solidFill>
+                <a:latin typeface="Lato"/>
+              </a:rPr>
+              <a:t>Viene effettuata una ricerca in base al mese, potendo scegliere tra le corse effettuate da un utente membership o casual.</a:t>
+            </a:r>
+          </a:p>
+        </p:txBody>
+      </p:sp>
+      <p:sp>
+        <p:nvSpPr>
+          <p:cNvPr id="10" name="Google Shape;1518;p37">
+            <a:extLst>
+              <a:ext uri="{FF2B5EF4-FFF2-40B4-BE49-F238E27FC236}">
+                <a16:creationId xmlns:a16="http://schemas.microsoft.com/office/drawing/2014/main" id="{FA7096BA-459A-4947-9619-A21E00CCAA17}"/>
+              </a:ext>
+            </a:extLst>
+          </p:cNvPr>
+          <p:cNvSpPr txBox="1">
+            <a:spLocks/>
+          </p:cNvSpPr>
+          <p:nvPr/>
+        </p:nvSpPr>
+        <p:spPr>
+          <a:xfrm>
+            <a:off x="6786937" y="2024725"/>
+            <a:ext cx="743250" cy="486933"/>
+          </a:xfrm>
+          <a:prstGeom prst="rect">
+            <a:avLst/>
+          </a:prstGeom>
+        </p:spPr>
+        <p:txBody>
+          <a:bodyPr spcFirstLastPara="1" vert="horz" wrap="square" lIns="91425" tIns="91425" rIns="91425" bIns="91425" rtlCol="0" anchor="t" anchorCtr="0">
+            <a:noAutofit/>
+          </a:bodyPr>
+          <a:lstStyle>
+            <a:lvl1pPr algn="l" defTabSz="914400" rtl="0" eaLnBrk="1" latinLnBrk="0" hangingPunct="1">
+              <a:lnSpc>
+                <a:spcPct val="90000"/>
+              </a:lnSpc>
+              <a:spcBef>
+                <a:spcPct val="0"/>
+              </a:spcBef>
+              <a:buNone/>
+              <a:defRPr sz="4400" kern="1200">
+                <a:solidFill>
+                  <a:schemeClr val="tx1"/>
+                </a:solidFill>
+                <a:latin typeface="+mj-lt"/>
+                <a:ea typeface="+mj-ea"/>
+                <a:cs typeface="+mj-cs"/>
+              </a:defRPr>
+            </a:lvl1pPr>
+          </a:lstStyle>
+          <a:p>
+            <a:pPr algn="r">
+              <a:spcBef>
+                <a:spcPts val="0"/>
+              </a:spcBef>
+            </a:pPr>
+            <a:r>
+              <a:rPr lang="en" sz="2400" b="1" dirty="0">
+                <a:solidFill>
+                  <a:srgbClr val="0000AB"/>
+                </a:solidFill>
+                <a:latin typeface="Lato"/>
+              </a:rPr>
+              <a:t>02</a:t>
+            </a:r>
+            <a:endParaRPr lang="en" sz="1800" b="1" dirty="0">
+              <a:solidFill>
+                <a:srgbClr val="0000AB"/>
+              </a:solidFill>
+              <a:latin typeface="Lato"/>
+            </a:endParaRPr>
+          </a:p>
+        </p:txBody>
+      </p:sp>
+      <p:sp>
+        <p:nvSpPr>
+          <p:cNvPr id="11" name="Google Shape;1516;p37">
+            <a:extLst>
+              <a:ext uri="{FF2B5EF4-FFF2-40B4-BE49-F238E27FC236}">
+                <a16:creationId xmlns:a16="http://schemas.microsoft.com/office/drawing/2014/main" id="{A96A2FBD-7DEA-4372-B1C5-2F3F747B3BC6}"/>
+              </a:ext>
+            </a:extLst>
+          </p:cNvPr>
+          <p:cNvSpPr txBox="1">
+            <a:spLocks/>
+          </p:cNvSpPr>
+          <p:nvPr/>
+        </p:nvSpPr>
+        <p:spPr>
+          <a:xfrm>
+            <a:off x="1850597" y="4107700"/>
+            <a:ext cx="3660970" cy="694224"/>
+          </a:xfrm>
+          <a:prstGeom prst="rect">
+            <a:avLst/>
+          </a:prstGeom>
+        </p:spPr>
+        <p:txBody>
+          <a:bodyPr spcFirstLastPara="1" vert="horz" wrap="square" lIns="91425" tIns="91425" rIns="91425" bIns="91425" rtlCol="0" anchor="ctr" anchorCtr="0">
+            <a:noAutofit/>
+          </a:bodyPr>
+          <a:lstStyle>
+            <a:lvl1pPr marL="228600" indent="-228600" algn="l" defTabSz="914400" rtl="0" eaLnBrk="1" latinLnBrk="0" hangingPunct="1">
+              <a:lnSpc>
+                <a:spcPct val="90000"/>
+              </a:lnSpc>
+              <a:spcBef>
+                <a:spcPts val="1000"/>
+              </a:spcBef>
+              <a:buFont typeface="Arial" panose="020B0604020202020204" pitchFamily="34" charset="0"/>
+              <a:buChar char="•"/>
+              <a:defRPr sz="2800" kern="1200">
+                <a:solidFill>
+                  <a:schemeClr val="tx1"/>
+                </a:solidFill>
+                <a:latin typeface="+mn-lt"/>
+                <a:ea typeface="+mn-ea"/>
+                <a:cs typeface="+mn-cs"/>
+              </a:defRPr>
+            </a:lvl1pPr>
+            <a:lvl2pPr marL="685800" indent="-228600" algn="l" defTabSz="914400" rtl="0" eaLnBrk="1" latinLnBrk="0" hangingPunct="1">
+              <a:lnSpc>
+                <a:spcPct val="90000"/>
+              </a:lnSpc>
+              <a:spcBef>
+                <a:spcPts val="500"/>
+              </a:spcBef>
+              <a:buFont typeface="Arial" panose="020B0604020202020204" pitchFamily="34" charset="0"/>
+              <a:buChar char="•"/>
+              <a:defRPr sz="2400" kern="1200">
+                <a:solidFill>
+                  <a:schemeClr val="tx1"/>
+                </a:solidFill>
+                <a:latin typeface="+mn-lt"/>
+                <a:ea typeface="+mn-ea"/>
+                <a:cs typeface="+mn-cs"/>
+              </a:defRPr>
+            </a:lvl2pPr>
+            <a:lvl3pPr marL="1143000" indent="-228600" algn="l" defTabSz="914400" rtl="0" eaLnBrk="1" latinLnBrk="0" hangingPunct="1">
+              <a:lnSpc>
+                <a:spcPct val="90000"/>
+              </a:lnSpc>
+              <a:spcBef>
+                <a:spcPts val="500"/>
+              </a:spcBef>
+              <a:buFont typeface="Arial" panose="020B0604020202020204" pitchFamily="34" charset="0"/>
+              <a:buChar char="•"/>
+              <a:defRPr sz="2000" kern="1200">
+                <a:solidFill>
+                  <a:schemeClr val="tx1"/>
+                </a:solidFill>
+                <a:latin typeface="+mn-lt"/>
+                <a:ea typeface="+mn-ea"/>
+                <a:cs typeface="+mn-cs"/>
+              </a:defRPr>
+            </a:lvl3pPr>
+            <a:lvl4pPr marL="1600200" indent="-228600" algn="l" defTabSz="914400" rtl="0" eaLnBrk="1" latinLnBrk="0" hangingPunct="1">
+              <a:lnSpc>
+                <a:spcPct val="90000"/>
+              </a:lnSpc>
+              <a:spcBef>
+                <a:spcPts val="500"/>
+              </a:spcBef>
+              <a:buFont typeface="Arial" panose="020B0604020202020204" pitchFamily="34" charset="0"/>
+              <a:buChar char="•"/>
+              <a:defRPr sz="1800" kern="1200">
+                <a:solidFill>
+                  <a:schemeClr val="tx1"/>
+                </a:solidFill>
+                <a:latin typeface="+mn-lt"/>
+                <a:ea typeface="+mn-ea"/>
+                <a:cs typeface="+mn-cs"/>
+              </a:defRPr>
+            </a:lvl4pPr>
+            <a:lvl5pPr marL="2057400" indent="-228600" algn="l" defTabSz="914400" rtl="0" eaLnBrk="1" latinLnBrk="0" hangingPunct="1">
+              <a:lnSpc>
+                <a:spcPct val="90000"/>
+              </a:lnSpc>
+              <a:spcBef>
+                <a:spcPts val="500"/>
+              </a:spcBef>
+              <a:buFont typeface="Arial" panose="020B0604020202020204" pitchFamily="34" charset="0"/>
+              <a:buChar char="•"/>
+              <a:defRPr sz="1800" kern="1200">
+                <a:solidFill>
+                  <a:schemeClr val="tx1"/>
+                </a:solidFill>
+                <a:latin typeface="+mn-lt"/>
+                <a:ea typeface="+mn-ea"/>
+                <a:cs typeface="+mn-cs"/>
+              </a:defRPr>
+            </a:lvl5pPr>
+            <a:lvl6pPr marL="2514600" indent="-228600" algn="l" defTabSz="914400" rtl="0" eaLnBrk="1" latinLnBrk="0" hangingPunct="1">
+              <a:lnSpc>
+                <a:spcPct val="90000"/>
+              </a:lnSpc>
+              <a:spcBef>
+                <a:spcPts val="500"/>
+              </a:spcBef>
+              <a:buFont typeface="Arial" panose="020B0604020202020204" pitchFamily="34" charset="0"/>
+              <a:buChar char="•"/>
+              <a:defRPr sz="1800" kern="1200">
+                <a:solidFill>
+                  <a:schemeClr val="tx1"/>
+                </a:solidFill>
+                <a:latin typeface="+mn-lt"/>
+                <a:ea typeface="+mn-ea"/>
+                <a:cs typeface="+mn-cs"/>
+              </a:defRPr>
+            </a:lvl6pPr>
+            <a:lvl7pPr marL="2971800" indent="-228600" algn="l" defTabSz="914400" rtl="0" eaLnBrk="1" latinLnBrk="0" hangingPunct="1">
+              <a:lnSpc>
+                <a:spcPct val="90000"/>
+              </a:lnSpc>
+              <a:spcBef>
+                <a:spcPts val="500"/>
+              </a:spcBef>
+              <a:buFont typeface="Arial" panose="020B0604020202020204" pitchFamily="34" charset="0"/>
+              <a:buChar char="•"/>
+              <a:defRPr sz="1800" kern="1200">
+                <a:solidFill>
+                  <a:schemeClr val="tx1"/>
+                </a:solidFill>
+                <a:latin typeface="+mn-lt"/>
+                <a:ea typeface="+mn-ea"/>
+                <a:cs typeface="+mn-cs"/>
+              </a:defRPr>
+            </a:lvl7pPr>
+            <a:lvl8pPr marL="3429000" indent="-228600" algn="l" defTabSz="914400" rtl="0" eaLnBrk="1" latinLnBrk="0" hangingPunct="1">
+              <a:lnSpc>
+                <a:spcPct val="90000"/>
+              </a:lnSpc>
+              <a:spcBef>
+                <a:spcPts val="500"/>
+              </a:spcBef>
+              <a:buFont typeface="Arial" panose="020B0604020202020204" pitchFamily="34" charset="0"/>
+              <a:buChar char="•"/>
+              <a:defRPr sz="1800" kern="1200">
+                <a:solidFill>
+                  <a:schemeClr val="tx1"/>
+                </a:solidFill>
+                <a:latin typeface="+mn-lt"/>
+                <a:ea typeface="+mn-ea"/>
+                <a:cs typeface="+mn-cs"/>
+              </a:defRPr>
+            </a:lvl8pPr>
+            <a:lvl9pPr marL="3886200" indent="-228600" algn="l" defTabSz="914400" rtl="0" eaLnBrk="1" latinLnBrk="0" hangingPunct="1">
+              <a:lnSpc>
+                <a:spcPct val="90000"/>
+              </a:lnSpc>
+              <a:spcBef>
+                <a:spcPts val="500"/>
+              </a:spcBef>
+              <a:buFont typeface="Arial" panose="020B0604020202020204" pitchFamily="34" charset="0"/>
+              <a:buChar char="•"/>
+              <a:defRPr sz="1800" kern="1200">
+                <a:solidFill>
+                  <a:schemeClr val="tx1"/>
+                </a:solidFill>
+                <a:latin typeface="+mn-lt"/>
+                <a:ea typeface="+mn-ea"/>
+                <a:cs typeface="+mn-cs"/>
+              </a:defRPr>
+            </a:lvl9pPr>
+          </a:lstStyle>
+          <a:p>
+            <a:pPr marL="0" indent="0">
+              <a:spcBef>
+                <a:spcPts val="0"/>
+              </a:spcBef>
+              <a:buFont typeface="Arial" panose="020B0604020202020204" pitchFamily="34" charset="0"/>
+              <a:buNone/>
+            </a:pPr>
+            <a:r>
+              <a:rPr lang="it-IT" sz="2000" b="1" dirty="0">
+                <a:solidFill>
+                  <a:srgbClr val="0000AB"/>
+                </a:solidFill>
+                <a:latin typeface="Lato"/>
+              </a:rPr>
+              <a:t>Query personalizzata:</a:t>
+            </a:r>
+          </a:p>
+        </p:txBody>
+      </p:sp>
+      <p:sp>
+        <p:nvSpPr>
+          <p:cNvPr id="12" name="Google Shape;1517;p37">
+            <a:extLst>
+              <a:ext uri="{FF2B5EF4-FFF2-40B4-BE49-F238E27FC236}">
+                <a16:creationId xmlns:a16="http://schemas.microsoft.com/office/drawing/2014/main" id="{1AC6D6AC-D4A5-44A6-A599-45609DED0B92}"/>
+              </a:ext>
+            </a:extLst>
+          </p:cNvPr>
+          <p:cNvSpPr txBox="1">
+            <a:spLocks/>
+          </p:cNvSpPr>
+          <p:nvPr/>
+        </p:nvSpPr>
+        <p:spPr>
+          <a:xfrm>
+            <a:off x="1905951" y="4689890"/>
+            <a:ext cx="3001610" cy="1071659"/>
+          </a:xfrm>
+          <a:prstGeom prst="rect">
+            <a:avLst/>
+          </a:prstGeom>
+        </p:spPr>
+        <p:txBody>
+          <a:bodyPr spcFirstLastPara="1" wrap="square" lIns="91425" tIns="91425" rIns="91425" bIns="91425" anchor="b" anchorCtr="0">
+            <a:noAutofit/>
+          </a:bodyPr>
+          <a:lstStyle>
+            <a:lvl1pPr marL="228600" indent="-228600" algn="l" defTabSz="914400" rtl="0" eaLnBrk="1" latinLnBrk="0" hangingPunct="1">
+              <a:lnSpc>
+                <a:spcPct val="90000"/>
+              </a:lnSpc>
+              <a:spcBef>
+                <a:spcPts val="1000"/>
+              </a:spcBef>
+              <a:buFont typeface="Arial" panose="020B0604020202020204" pitchFamily="34" charset="0"/>
+              <a:buChar char="•"/>
+              <a:defRPr sz="2800" kern="1200">
+                <a:solidFill>
+                  <a:schemeClr val="tx1"/>
+                </a:solidFill>
+                <a:latin typeface="+mn-lt"/>
+                <a:ea typeface="+mn-ea"/>
+                <a:cs typeface="+mn-cs"/>
+              </a:defRPr>
+            </a:lvl1pPr>
+            <a:lvl2pPr marL="685800" indent="-228600" algn="l" defTabSz="914400" rtl="0" eaLnBrk="1" latinLnBrk="0" hangingPunct="1">
+              <a:lnSpc>
+                <a:spcPct val="90000"/>
+              </a:lnSpc>
+              <a:spcBef>
+                <a:spcPts val="500"/>
+              </a:spcBef>
+              <a:buFont typeface="Arial" panose="020B0604020202020204" pitchFamily="34" charset="0"/>
+              <a:buChar char="•"/>
+              <a:defRPr sz="2400" kern="1200">
+                <a:solidFill>
+                  <a:schemeClr val="tx1"/>
+                </a:solidFill>
+                <a:latin typeface="+mn-lt"/>
+                <a:ea typeface="+mn-ea"/>
+                <a:cs typeface="+mn-cs"/>
+              </a:defRPr>
+            </a:lvl2pPr>
+            <a:lvl3pPr marL="1143000" indent="-228600" algn="l" defTabSz="914400" rtl="0" eaLnBrk="1" latinLnBrk="0" hangingPunct="1">
+              <a:lnSpc>
+                <a:spcPct val="90000"/>
+              </a:lnSpc>
+              <a:spcBef>
+                <a:spcPts val="500"/>
+              </a:spcBef>
+              <a:buFont typeface="Arial" panose="020B0604020202020204" pitchFamily="34" charset="0"/>
+              <a:buChar char="•"/>
+              <a:defRPr sz="2000" kern="1200">
+                <a:solidFill>
+                  <a:schemeClr val="tx1"/>
+                </a:solidFill>
+                <a:latin typeface="+mn-lt"/>
+                <a:ea typeface="+mn-ea"/>
+                <a:cs typeface="+mn-cs"/>
+              </a:defRPr>
+            </a:lvl3pPr>
+            <a:lvl4pPr marL="1600200" indent="-228600" algn="l" defTabSz="914400" rtl="0" eaLnBrk="1" latinLnBrk="0" hangingPunct="1">
+              <a:lnSpc>
+                <a:spcPct val="90000"/>
+              </a:lnSpc>
+              <a:spcBef>
+                <a:spcPts val="500"/>
+              </a:spcBef>
+              <a:buFont typeface="Arial" panose="020B0604020202020204" pitchFamily="34" charset="0"/>
+              <a:buChar char="•"/>
+              <a:defRPr sz="1800" kern="1200">
+                <a:solidFill>
+                  <a:schemeClr val="tx1"/>
+                </a:solidFill>
+                <a:latin typeface="+mn-lt"/>
+                <a:ea typeface="+mn-ea"/>
+                <a:cs typeface="+mn-cs"/>
+              </a:defRPr>
+            </a:lvl4pPr>
+            <a:lvl5pPr marL="2057400" indent="-228600" algn="l" defTabSz="914400" rtl="0" eaLnBrk="1" latinLnBrk="0" hangingPunct="1">
+              <a:lnSpc>
+                <a:spcPct val="90000"/>
+              </a:lnSpc>
+              <a:spcBef>
+                <a:spcPts val="500"/>
+              </a:spcBef>
+              <a:buFont typeface="Arial" panose="020B0604020202020204" pitchFamily="34" charset="0"/>
+              <a:buChar char="•"/>
+              <a:defRPr sz="1800" kern="1200">
+                <a:solidFill>
+                  <a:schemeClr val="tx1"/>
+                </a:solidFill>
+                <a:latin typeface="+mn-lt"/>
+                <a:ea typeface="+mn-ea"/>
+                <a:cs typeface="+mn-cs"/>
+              </a:defRPr>
+            </a:lvl5pPr>
+            <a:lvl6pPr marL="2514600" indent="-228600" algn="l" defTabSz="914400" rtl="0" eaLnBrk="1" latinLnBrk="0" hangingPunct="1">
+              <a:lnSpc>
+                <a:spcPct val="90000"/>
+              </a:lnSpc>
+              <a:spcBef>
+                <a:spcPts val="500"/>
+              </a:spcBef>
+              <a:buFont typeface="Arial" panose="020B0604020202020204" pitchFamily="34" charset="0"/>
+              <a:buChar char="•"/>
+              <a:defRPr sz="1800" kern="1200">
+                <a:solidFill>
+                  <a:schemeClr val="tx1"/>
+                </a:solidFill>
+                <a:latin typeface="+mn-lt"/>
+                <a:ea typeface="+mn-ea"/>
+                <a:cs typeface="+mn-cs"/>
+              </a:defRPr>
+            </a:lvl6pPr>
+            <a:lvl7pPr marL="2971800" indent="-228600" algn="l" defTabSz="914400" rtl="0" eaLnBrk="1" latinLnBrk="0" hangingPunct="1">
+              <a:lnSpc>
+                <a:spcPct val="90000"/>
+              </a:lnSpc>
+              <a:spcBef>
+                <a:spcPts val="500"/>
+              </a:spcBef>
+              <a:buFont typeface="Arial" panose="020B0604020202020204" pitchFamily="34" charset="0"/>
+              <a:buChar char="•"/>
+              <a:defRPr sz="1800" kern="1200">
+                <a:solidFill>
+                  <a:schemeClr val="tx1"/>
+                </a:solidFill>
+                <a:latin typeface="+mn-lt"/>
+                <a:ea typeface="+mn-ea"/>
+                <a:cs typeface="+mn-cs"/>
+              </a:defRPr>
+            </a:lvl7pPr>
+            <a:lvl8pPr marL="3429000" indent="-228600" algn="l" defTabSz="914400" rtl="0" eaLnBrk="1" latinLnBrk="0" hangingPunct="1">
+              <a:lnSpc>
+                <a:spcPct val="90000"/>
+              </a:lnSpc>
+              <a:spcBef>
+                <a:spcPts val="500"/>
+              </a:spcBef>
+              <a:buFont typeface="Arial" panose="020B0604020202020204" pitchFamily="34" charset="0"/>
+              <a:buChar char="•"/>
+              <a:defRPr sz="1800" kern="1200">
+                <a:solidFill>
+                  <a:schemeClr val="tx1"/>
+                </a:solidFill>
+                <a:latin typeface="+mn-lt"/>
+                <a:ea typeface="+mn-ea"/>
+                <a:cs typeface="+mn-cs"/>
+              </a:defRPr>
+            </a:lvl8pPr>
+            <a:lvl9pPr marL="3886200" indent="-228600" algn="l" defTabSz="914400" rtl="0" eaLnBrk="1" latinLnBrk="0" hangingPunct="1">
+              <a:lnSpc>
+                <a:spcPct val="90000"/>
+              </a:lnSpc>
+              <a:spcBef>
+                <a:spcPts val="500"/>
+              </a:spcBef>
+              <a:buFont typeface="Arial" panose="020B0604020202020204" pitchFamily="34" charset="0"/>
+              <a:buChar char="•"/>
+              <a:defRPr sz="1800" kern="1200">
+                <a:solidFill>
+                  <a:schemeClr val="tx1"/>
+                </a:solidFill>
+                <a:latin typeface="+mn-lt"/>
+                <a:ea typeface="+mn-ea"/>
+                <a:cs typeface="+mn-cs"/>
+              </a:defRPr>
+            </a:lvl9pPr>
+          </a:lstStyle>
+          <a:p>
+            <a:pPr marL="0" lvl="0" indent="0" algn="l" rtl="0">
+              <a:spcBef>
+                <a:spcPts val="0"/>
+              </a:spcBef>
+              <a:spcAft>
+                <a:spcPts val="0"/>
+              </a:spcAft>
+              <a:buNone/>
+            </a:pPr>
+            <a:r>
+              <a:rPr lang="it-IT" sz="1600" dirty="0">
+                <a:solidFill>
+                  <a:srgbClr val="0000AB"/>
+                </a:solidFill>
+                <a:latin typeface="Lato"/>
+              </a:rPr>
+              <a:t>Permette di effettuare una ricerca facendo selezionare all’utente i tipi di dati da ricercare.</a:t>
+            </a:r>
+          </a:p>
+        </p:txBody>
+      </p:sp>
+      <p:sp>
+        <p:nvSpPr>
+          <p:cNvPr id="13" name="Google Shape;1518;p37">
+            <a:extLst>
+              <a:ext uri="{FF2B5EF4-FFF2-40B4-BE49-F238E27FC236}">
+                <a16:creationId xmlns:a16="http://schemas.microsoft.com/office/drawing/2014/main" id="{7B5DA41C-0CCF-4E06-BD25-540184F321A2}"/>
+              </a:ext>
+            </a:extLst>
+          </p:cNvPr>
+          <p:cNvSpPr txBox="1">
+            <a:spLocks/>
+          </p:cNvSpPr>
+          <p:nvPr/>
+        </p:nvSpPr>
+        <p:spPr>
+          <a:xfrm>
+            <a:off x="1162700" y="4202957"/>
+            <a:ext cx="743250" cy="486933"/>
+          </a:xfrm>
+          <a:prstGeom prst="rect">
+            <a:avLst/>
+          </a:prstGeom>
+        </p:spPr>
+        <p:txBody>
+          <a:bodyPr spcFirstLastPara="1" vert="horz" wrap="square" lIns="91425" tIns="91425" rIns="91425" bIns="91425" rtlCol="0" anchor="t" anchorCtr="0">
+            <a:noAutofit/>
+          </a:bodyPr>
+          <a:lstStyle>
+            <a:lvl1pPr algn="l" defTabSz="914400" rtl="0" eaLnBrk="1" latinLnBrk="0" hangingPunct="1">
+              <a:lnSpc>
+                <a:spcPct val="90000"/>
+              </a:lnSpc>
+              <a:spcBef>
+                <a:spcPct val="0"/>
+              </a:spcBef>
+              <a:buNone/>
+              <a:defRPr sz="4400" kern="1200">
+                <a:solidFill>
+                  <a:schemeClr val="tx1"/>
+                </a:solidFill>
+                <a:latin typeface="+mj-lt"/>
+                <a:ea typeface="+mj-ea"/>
+                <a:cs typeface="+mj-cs"/>
+              </a:defRPr>
+            </a:lvl1pPr>
+          </a:lstStyle>
+          <a:p>
+            <a:pPr algn="r">
+              <a:spcBef>
+                <a:spcPts val="0"/>
+              </a:spcBef>
+            </a:pPr>
+            <a:r>
+              <a:rPr lang="en" sz="2400" b="1" dirty="0">
+                <a:solidFill>
+                  <a:srgbClr val="0000AB"/>
+                </a:solidFill>
+                <a:latin typeface="Lato"/>
+              </a:rPr>
+              <a:t>03</a:t>
+            </a:r>
+            <a:endParaRPr lang="en" sz="1800" b="1" dirty="0">
+              <a:solidFill>
+                <a:srgbClr val="0000AB"/>
+              </a:solidFill>
+              <a:latin typeface="Lato"/>
+            </a:endParaRPr>
+          </a:p>
+        </p:txBody>
+      </p:sp>
+      <p:sp>
+        <p:nvSpPr>
+          <p:cNvPr id="15" name="Google Shape;1516;p37">
+            <a:extLst>
+              <a:ext uri="{FF2B5EF4-FFF2-40B4-BE49-F238E27FC236}">
+                <a16:creationId xmlns:a16="http://schemas.microsoft.com/office/drawing/2014/main" id="{DEFF25C7-AAED-4671-8727-6164C9C57BCC}"/>
+              </a:ext>
+            </a:extLst>
+          </p:cNvPr>
+          <p:cNvSpPr txBox="1">
+            <a:spLocks/>
+          </p:cNvSpPr>
+          <p:nvPr/>
+        </p:nvSpPr>
+        <p:spPr>
+          <a:xfrm>
+            <a:off x="7474834" y="4107700"/>
+            <a:ext cx="3660970" cy="694224"/>
+          </a:xfrm>
+          <a:prstGeom prst="rect">
+            <a:avLst/>
+          </a:prstGeom>
+        </p:spPr>
+        <p:txBody>
+          <a:bodyPr spcFirstLastPara="1" vert="horz" wrap="square" lIns="91425" tIns="91425" rIns="91425" bIns="91425" rtlCol="0" anchor="ctr" anchorCtr="0">
+            <a:noAutofit/>
+          </a:bodyPr>
+          <a:lstStyle>
+            <a:lvl1pPr marL="228600" indent="-228600" algn="l" defTabSz="914400" rtl="0" eaLnBrk="1" latinLnBrk="0" hangingPunct="1">
+              <a:lnSpc>
+                <a:spcPct val="90000"/>
+              </a:lnSpc>
+              <a:spcBef>
+                <a:spcPts val="1000"/>
+              </a:spcBef>
+              <a:buFont typeface="Arial" panose="020B0604020202020204" pitchFamily="34" charset="0"/>
+              <a:buChar char="•"/>
+              <a:defRPr sz="2800" kern="1200">
+                <a:solidFill>
+                  <a:schemeClr val="tx1"/>
+                </a:solidFill>
+                <a:latin typeface="+mn-lt"/>
+                <a:ea typeface="+mn-ea"/>
+                <a:cs typeface="+mn-cs"/>
+              </a:defRPr>
+            </a:lvl1pPr>
+            <a:lvl2pPr marL="685800" indent="-228600" algn="l" defTabSz="914400" rtl="0" eaLnBrk="1" latinLnBrk="0" hangingPunct="1">
+              <a:lnSpc>
+                <a:spcPct val="90000"/>
+              </a:lnSpc>
+              <a:spcBef>
+                <a:spcPts val="500"/>
+              </a:spcBef>
+              <a:buFont typeface="Arial" panose="020B0604020202020204" pitchFamily="34" charset="0"/>
+              <a:buChar char="•"/>
+              <a:defRPr sz="2400" kern="1200">
+                <a:solidFill>
+                  <a:schemeClr val="tx1"/>
+                </a:solidFill>
+                <a:latin typeface="+mn-lt"/>
+                <a:ea typeface="+mn-ea"/>
+                <a:cs typeface="+mn-cs"/>
+              </a:defRPr>
+            </a:lvl2pPr>
+            <a:lvl3pPr marL="1143000" indent="-228600" algn="l" defTabSz="914400" rtl="0" eaLnBrk="1" latinLnBrk="0" hangingPunct="1">
+              <a:lnSpc>
+                <a:spcPct val="90000"/>
+              </a:lnSpc>
+              <a:spcBef>
+                <a:spcPts val="500"/>
+              </a:spcBef>
+              <a:buFont typeface="Arial" panose="020B0604020202020204" pitchFamily="34" charset="0"/>
+              <a:buChar char="•"/>
+              <a:defRPr sz="2000" kern="1200">
+                <a:solidFill>
+                  <a:schemeClr val="tx1"/>
+                </a:solidFill>
+                <a:latin typeface="+mn-lt"/>
+                <a:ea typeface="+mn-ea"/>
+                <a:cs typeface="+mn-cs"/>
+              </a:defRPr>
+            </a:lvl3pPr>
+            <a:lvl4pPr marL="1600200" indent="-228600" algn="l" defTabSz="914400" rtl="0" eaLnBrk="1" latinLnBrk="0" hangingPunct="1">
+              <a:lnSpc>
+                <a:spcPct val="90000"/>
+              </a:lnSpc>
+              <a:spcBef>
+                <a:spcPts val="500"/>
+              </a:spcBef>
+              <a:buFont typeface="Arial" panose="020B0604020202020204" pitchFamily="34" charset="0"/>
+              <a:buChar char="•"/>
+              <a:defRPr sz="1800" kern="1200">
+                <a:solidFill>
+                  <a:schemeClr val="tx1"/>
+                </a:solidFill>
+                <a:latin typeface="+mn-lt"/>
+                <a:ea typeface="+mn-ea"/>
+                <a:cs typeface="+mn-cs"/>
+              </a:defRPr>
+            </a:lvl4pPr>
+            <a:lvl5pPr marL="2057400" indent="-228600" algn="l" defTabSz="914400" rtl="0" eaLnBrk="1" latinLnBrk="0" hangingPunct="1">
+              <a:lnSpc>
+                <a:spcPct val="90000"/>
+              </a:lnSpc>
+              <a:spcBef>
+                <a:spcPts val="500"/>
+              </a:spcBef>
+              <a:buFont typeface="Arial" panose="020B0604020202020204" pitchFamily="34" charset="0"/>
+              <a:buChar char="•"/>
+              <a:defRPr sz="1800" kern="1200">
+                <a:solidFill>
+                  <a:schemeClr val="tx1"/>
+                </a:solidFill>
+                <a:latin typeface="+mn-lt"/>
+                <a:ea typeface="+mn-ea"/>
+                <a:cs typeface="+mn-cs"/>
+              </a:defRPr>
+            </a:lvl5pPr>
+            <a:lvl6pPr marL="2514600" indent="-228600" algn="l" defTabSz="914400" rtl="0" eaLnBrk="1" latinLnBrk="0" hangingPunct="1">
+              <a:lnSpc>
+                <a:spcPct val="90000"/>
+              </a:lnSpc>
+              <a:spcBef>
+                <a:spcPts val="500"/>
+              </a:spcBef>
+              <a:buFont typeface="Arial" panose="020B0604020202020204" pitchFamily="34" charset="0"/>
+              <a:buChar char="•"/>
+              <a:defRPr sz="1800" kern="1200">
+                <a:solidFill>
+                  <a:schemeClr val="tx1"/>
+                </a:solidFill>
+                <a:latin typeface="+mn-lt"/>
+                <a:ea typeface="+mn-ea"/>
+                <a:cs typeface="+mn-cs"/>
+              </a:defRPr>
+            </a:lvl6pPr>
+            <a:lvl7pPr marL="2971800" indent="-228600" algn="l" defTabSz="914400" rtl="0" eaLnBrk="1" latinLnBrk="0" hangingPunct="1">
+              <a:lnSpc>
+                <a:spcPct val="90000"/>
+              </a:lnSpc>
+              <a:spcBef>
+                <a:spcPts val="500"/>
+              </a:spcBef>
+              <a:buFont typeface="Arial" panose="020B0604020202020204" pitchFamily="34" charset="0"/>
+              <a:buChar char="•"/>
+              <a:defRPr sz="1800" kern="1200">
+                <a:solidFill>
+                  <a:schemeClr val="tx1"/>
+                </a:solidFill>
+                <a:latin typeface="+mn-lt"/>
+                <a:ea typeface="+mn-ea"/>
+                <a:cs typeface="+mn-cs"/>
+              </a:defRPr>
+            </a:lvl7pPr>
+            <a:lvl8pPr marL="3429000" indent="-228600" algn="l" defTabSz="914400" rtl="0" eaLnBrk="1" latinLnBrk="0" hangingPunct="1">
+              <a:lnSpc>
+                <a:spcPct val="90000"/>
+              </a:lnSpc>
+              <a:spcBef>
+                <a:spcPts val="500"/>
+              </a:spcBef>
+              <a:buFont typeface="Arial" panose="020B0604020202020204" pitchFamily="34" charset="0"/>
+              <a:buChar char="•"/>
+              <a:defRPr sz="1800" kern="1200">
+                <a:solidFill>
+                  <a:schemeClr val="tx1"/>
+                </a:solidFill>
+                <a:latin typeface="+mn-lt"/>
+                <a:ea typeface="+mn-ea"/>
+                <a:cs typeface="+mn-cs"/>
+              </a:defRPr>
+            </a:lvl8pPr>
+            <a:lvl9pPr marL="3886200" indent="-228600" algn="l" defTabSz="914400" rtl="0" eaLnBrk="1" latinLnBrk="0" hangingPunct="1">
+              <a:lnSpc>
+                <a:spcPct val="90000"/>
+              </a:lnSpc>
+              <a:spcBef>
+                <a:spcPts val="500"/>
+              </a:spcBef>
+              <a:buFont typeface="Arial" panose="020B0604020202020204" pitchFamily="34" charset="0"/>
+              <a:buChar char="•"/>
+              <a:defRPr sz="1800" kern="1200">
+                <a:solidFill>
+                  <a:schemeClr val="tx1"/>
+                </a:solidFill>
+                <a:latin typeface="+mn-lt"/>
+                <a:ea typeface="+mn-ea"/>
+                <a:cs typeface="+mn-cs"/>
+              </a:defRPr>
+            </a:lvl9pPr>
+          </a:lstStyle>
+          <a:p>
+            <a:pPr marL="0" indent="0">
+              <a:spcBef>
+                <a:spcPts val="0"/>
+              </a:spcBef>
+              <a:buFont typeface="Arial" panose="020B0604020202020204" pitchFamily="34" charset="0"/>
+              <a:buNone/>
+            </a:pPr>
+            <a:r>
+              <a:rPr lang="it-IT" sz="2000" b="1" dirty="0">
+                <a:solidFill>
+                  <a:srgbClr val="0000AB"/>
+                </a:solidFill>
+                <a:latin typeface="Lato"/>
+              </a:rPr>
+              <a:t>Visualizzazione Grafici:</a:t>
+            </a:r>
+          </a:p>
+        </p:txBody>
+      </p:sp>
+      <p:sp>
+        <p:nvSpPr>
+          <p:cNvPr id="16" name="Google Shape;1517;p37">
+            <a:extLst>
+              <a:ext uri="{FF2B5EF4-FFF2-40B4-BE49-F238E27FC236}">
+                <a16:creationId xmlns:a16="http://schemas.microsoft.com/office/drawing/2014/main" id="{6C390D8E-1EBE-4452-AFF2-017BA7359202}"/>
+              </a:ext>
+            </a:extLst>
+          </p:cNvPr>
+          <p:cNvSpPr txBox="1">
+            <a:spLocks/>
+          </p:cNvSpPr>
+          <p:nvPr/>
+        </p:nvSpPr>
+        <p:spPr>
+          <a:xfrm>
+            <a:off x="7530188" y="4689890"/>
+            <a:ext cx="3001610" cy="1071659"/>
+          </a:xfrm>
+          <a:prstGeom prst="rect">
+            <a:avLst/>
+          </a:prstGeom>
+        </p:spPr>
+        <p:txBody>
+          <a:bodyPr spcFirstLastPara="1" wrap="square" lIns="91425" tIns="91425" rIns="91425" bIns="91425" anchor="b" anchorCtr="0">
+            <a:noAutofit/>
+          </a:bodyPr>
+          <a:lstStyle>
+            <a:lvl1pPr marL="228600" indent="-228600" algn="l" defTabSz="914400" rtl="0" eaLnBrk="1" latinLnBrk="0" hangingPunct="1">
+              <a:lnSpc>
+                <a:spcPct val="90000"/>
+              </a:lnSpc>
+              <a:spcBef>
+                <a:spcPts val="1000"/>
+              </a:spcBef>
+              <a:buFont typeface="Arial" panose="020B0604020202020204" pitchFamily="34" charset="0"/>
+              <a:buChar char="•"/>
+              <a:defRPr sz="2800" kern="1200">
+                <a:solidFill>
+                  <a:schemeClr val="tx1"/>
+                </a:solidFill>
+                <a:latin typeface="+mn-lt"/>
+                <a:ea typeface="+mn-ea"/>
+                <a:cs typeface="+mn-cs"/>
+              </a:defRPr>
+            </a:lvl1pPr>
+            <a:lvl2pPr marL="685800" indent="-228600" algn="l" defTabSz="914400" rtl="0" eaLnBrk="1" latinLnBrk="0" hangingPunct="1">
+              <a:lnSpc>
+                <a:spcPct val="90000"/>
+              </a:lnSpc>
+              <a:spcBef>
+                <a:spcPts val="500"/>
+              </a:spcBef>
+              <a:buFont typeface="Arial" panose="020B0604020202020204" pitchFamily="34" charset="0"/>
+              <a:buChar char="•"/>
+              <a:defRPr sz="2400" kern="1200">
+                <a:solidFill>
+                  <a:schemeClr val="tx1"/>
+                </a:solidFill>
+                <a:latin typeface="+mn-lt"/>
+                <a:ea typeface="+mn-ea"/>
+                <a:cs typeface="+mn-cs"/>
+              </a:defRPr>
+            </a:lvl2pPr>
+            <a:lvl3pPr marL="1143000" indent="-228600" algn="l" defTabSz="914400" rtl="0" eaLnBrk="1" latinLnBrk="0" hangingPunct="1">
+              <a:lnSpc>
+                <a:spcPct val="90000"/>
+              </a:lnSpc>
+              <a:spcBef>
+                <a:spcPts val="500"/>
+              </a:spcBef>
+              <a:buFont typeface="Arial" panose="020B0604020202020204" pitchFamily="34" charset="0"/>
+              <a:buChar char="•"/>
+              <a:defRPr sz="2000" kern="1200">
+                <a:solidFill>
+                  <a:schemeClr val="tx1"/>
+                </a:solidFill>
+                <a:latin typeface="+mn-lt"/>
+                <a:ea typeface="+mn-ea"/>
+                <a:cs typeface="+mn-cs"/>
+              </a:defRPr>
+            </a:lvl3pPr>
+            <a:lvl4pPr marL="1600200" indent="-228600" algn="l" defTabSz="914400" rtl="0" eaLnBrk="1" latinLnBrk="0" hangingPunct="1">
+              <a:lnSpc>
+                <a:spcPct val="90000"/>
+              </a:lnSpc>
+              <a:spcBef>
+                <a:spcPts val="500"/>
+              </a:spcBef>
+              <a:buFont typeface="Arial" panose="020B0604020202020204" pitchFamily="34" charset="0"/>
+              <a:buChar char="•"/>
+              <a:defRPr sz="1800" kern="1200">
+                <a:solidFill>
+                  <a:schemeClr val="tx1"/>
+                </a:solidFill>
+                <a:latin typeface="+mn-lt"/>
+                <a:ea typeface="+mn-ea"/>
+                <a:cs typeface="+mn-cs"/>
+              </a:defRPr>
+            </a:lvl4pPr>
+            <a:lvl5pPr marL="2057400" indent="-228600" algn="l" defTabSz="914400" rtl="0" eaLnBrk="1" latinLnBrk="0" hangingPunct="1">
+              <a:lnSpc>
+                <a:spcPct val="90000"/>
+              </a:lnSpc>
+              <a:spcBef>
+                <a:spcPts val="500"/>
+              </a:spcBef>
+              <a:buFont typeface="Arial" panose="020B0604020202020204" pitchFamily="34" charset="0"/>
+              <a:buChar char="•"/>
+              <a:defRPr sz="1800" kern="1200">
+                <a:solidFill>
+                  <a:schemeClr val="tx1"/>
+                </a:solidFill>
+                <a:latin typeface="+mn-lt"/>
+                <a:ea typeface="+mn-ea"/>
+                <a:cs typeface="+mn-cs"/>
+              </a:defRPr>
+            </a:lvl5pPr>
+            <a:lvl6pPr marL="2514600" indent="-228600" algn="l" defTabSz="914400" rtl="0" eaLnBrk="1" latinLnBrk="0" hangingPunct="1">
+              <a:lnSpc>
+                <a:spcPct val="90000"/>
+              </a:lnSpc>
+              <a:spcBef>
+                <a:spcPts val="500"/>
+              </a:spcBef>
+              <a:buFont typeface="Arial" panose="020B0604020202020204" pitchFamily="34" charset="0"/>
+              <a:buChar char="•"/>
+              <a:defRPr sz="1800" kern="1200">
+                <a:solidFill>
+                  <a:schemeClr val="tx1"/>
+                </a:solidFill>
+                <a:latin typeface="+mn-lt"/>
+                <a:ea typeface="+mn-ea"/>
+                <a:cs typeface="+mn-cs"/>
+              </a:defRPr>
+            </a:lvl6pPr>
+            <a:lvl7pPr marL="2971800" indent="-228600" algn="l" defTabSz="914400" rtl="0" eaLnBrk="1" latinLnBrk="0" hangingPunct="1">
+              <a:lnSpc>
+                <a:spcPct val="90000"/>
+              </a:lnSpc>
+              <a:spcBef>
+                <a:spcPts val="500"/>
+              </a:spcBef>
+              <a:buFont typeface="Arial" panose="020B0604020202020204" pitchFamily="34" charset="0"/>
+              <a:buChar char="•"/>
+              <a:defRPr sz="1800" kern="1200">
+                <a:solidFill>
+                  <a:schemeClr val="tx1"/>
+                </a:solidFill>
+                <a:latin typeface="+mn-lt"/>
+                <a:ea typeface="+mn-ea"/>
+                <a:cs typeface="+mn-cs"/>
+              </a:defRPr>
+            </a:lvl7pPr>
+            <a:lvl8pPr marL="3429000" indent="-228600" algn="l" defTabSz="914400" rtl="0" eaLnBrk="1" latinLnBrk="0" hangingPunct="1">
+              <a:lnSpc>
+                <a:spcPct val="90000"/>
+              </a:lnSpc>
+              <a:spcBef>
+                <a:spcPts val="500"/>
+              </a:spcBef>
+              <a:buFont typeface="Arial" panose="020B0604020202020204" pitchFamily="34" charset="0"/>
+              <a:buChar char="•"/>
+              <a:defRPr sz="1800" kern="1200">
+                <a:solidFill>
+                  <a:schemeClr val="tx1"/>
+                </a:solidFill>
+                <a:latin typeface="+mn-lt"/>
+                <a:ea typeface="+mn-ea"/>
+                <a:cs typeface="+mn-cs"/>
+              </a:defRPr>
+            </a:lvl8pPr>
+            <a:lvl9pPr marL="3886200" indent="-228600" algn="l" defTabSz="914400" rtl="0" eaLnBrk="1" latinLnBrk="0" hangingPunct="1">
+              <a:lnSpc>
+                <a:spcPct val="90000"/>
+              </a:lnSpc>
+              <a:spcBef>
+                <a:spcPts val="500"/>
+              </a:spcBef>
+              <a:buFont typeface="Arial" panose="020B0604020202020204" pitchFamily="34" charset="0"/>
+              <a:buChar char="•"/>
+              <a:defRPr sz="1800" kern="1200">
+                <a:solidFill>
+                  <a:schemeClr val="tx1"/>
+                </a:solidFill>
+                <a:latin typeface="+mn-lt"/>
+                <a:ea typeface="+mn-ea"/>
+                <a:cs typeface="+mn-cs"/>
+              </a:defRPr>
+            </a:lvl9pPr>
+          </a:lstStyle>
+          <a:p>
+            <a:pPr marL="0" lvl="0" indent="0" algn="l" rtl="0">
+              <a:spcBef>
+                <a:spcPts val="0"/>
+              </a:spcBef>
+              <a:spcAft>
+                <a:spcPts val="0"/>
+              </a:spcAft>
+              <a:buNone/>
+            </a:pPr>
+            <a:r>
+              <a:rPr lang="it-IT" sz="1600" dirty="0">
+                <a:solidFill>
+                  <a:srgbClr val="0000AB"/>
+                </a:solidFill>
+                <a:latin typeface="Lato"/>
+              </a:rPr>
+              <a:t>Query che permette la visualizzazione di grafici riguardanti i dati presenti nel dataset.</a:t>
+            </a:r>
+          </a:p>
+        </p:txBody>
+      </p:sp>
+      <p:sp>
+        <p:nvSpPr>
+          <p:cNvPr id="17" name="Google Shape;1518;p37">
+            <a:extLst>
+              <a:ext uri="{FF2B5EF4-FFF2-40B4-BE49-F238E27FC236}">
+                <a16:creationId xmlns:a16="http://schemas.microsoft.com/office/drawing/2014/main" id="{0A0E4647-9458-40A7-BC66-F32AD8BCAC10}"/>
+              </a:ext>
+            </a:extLst>
+          </p:cNvPr>
+          <p:cNvSpPr txBox="1">
+            <a:spLocks/>
+          </p:cNvSpPr>
+          <p:nvPr/>
+        </p:nvSpPr>
+        <p:spPr>
+          <a:xfrm>
+            <a:off x="6786937" y="4202957"/>
+            <a:ext cx="743250" cy="486933"/>
+          </a:xfrm>
+          <a:prstGeom prst="rect">
+            <a:avLst/>
+          </a:prstGeom>
+        </p:spPr>
+        <p:txBody>
+          <a:bodyPr spcFirstLastPara="1" vert="horz" wrap="square" lIns="91425" tIns="91425" rIns="91425" bIns="91425" rtlCol="0" anchor="t" anchorCtr="0">
+            <a:noAutofit/>
+          </a:bodyPr>
+          <a:lstStyle>
+            <a:lvl1pPr algn="l" defTabSz="914400" rtl="0" eaLnBrk="1" latinLnBrk="0" hangingPunct="1">
+              <a:lnSpc>
+                <a:spcPct val="90000"/>
+              </a:lnSpc>
+              <a:spcBef>
+                <a:spcPct val="0"/>
+              </a:spcBef>
+              <a:buNone/>
+              <a:defRPr sz="4400" kern="1200">
+                <a:solidFill>
+                  <a:schemeClr val="tx1"/>
+                </a:solidFill>
+                <a:latin typeface="+mj-lt"/>
+                <a:ea typeface="+mj-ea"/>
+                <a:cs typeface="+mj-cs"/>
+              </a:defRPr>
+            </a:lvl1pPr>
+          </a:lstStyle>
+          <a:p>
+            <a:pPr algn="r">
+              <a:spcBef>
+                <a:spcPts val="0"/>
+              </a:spcBef>
+            </a:pPr>
+            <a:r>
+              <a:rPr lang="en" sz="2400" b="1" dirty="0">
+                <a:solidFill>
+                  <a:srgbClr val="0000AB"/>
+                </a:solidFill>
+                <a:latin typeface="Lato"/>
+              </a:rPr>
+              <a:t>04</a:t>
+            </a:r>
+            <a:endParaRPr lang="en" sz="1800" b="1" dirty="0">
+              <a:solidFill>
+                <a:srgbClr val="0000AB"/>
+              </a:solidFill>
+              <a:latin typeface="Lato"/>
+            </a:endParaRPr>
           </a:p>
         </p:txBody>
       </p:sp>

--- a/presentazione/presentazioneBD2BarberisRobertazzi.pptx
+++ b/presentazione/presentazioneBD2BarberisRobertazzi.pptx
@@ -10,6 +10,8 @@
     <p:sldId id="258" r:id="rId4"/>
     <p:sldId id="259" r:id="rId5"/>
     <p:sldId id="260" r:id="rId6"/>
+    <p:sldId id="261" r:id="rId7"/>
+    <p:sldId id="262" r:id="rId8"/>
   </p:sldIdLst>
   <p:sldSz cx="12192000" cy="6858000"/>
   <p:notesSz cx="6858000" cy="9144000"/>
@@ -3672,8 +3674,8 @@
         </p:nvSpPr>
         <p:spPr>
           <a:xfrm>
-            <a:off x="2561005" y="2672299"/>
-            <a:ext cx="6606653" cy="1513402"/>
+            <a:off x="2577998" y="2672299"/>
+            <a:ext cx="7036001" cy="1513402"/>
           </a:xfrm>
           <a:prstGeom prst="rect">
             <a:avLst/>
@@ -3702,7 +3704,7 @@
               <a:buNone/>
             </a:pPr>
             <a:r>
-              <a:rPr lang="it-IT" sz="5400" dirty="0">
+              <a:rPr lang="it-IT" sz="5400" b="1" dirty="0">
                 <a:solidFill>
                   <a:schemeClr val="bg1"/>
                 </a:solidFill>
@@ -3713,7 +3715,7 @@
               </a:rPr>
               <a:t>Sharing Bike Chicago</a:t>
             </a:r>
-            <a:endParaRPr sz="5400" dirty="0">
+            <a:endParaRPr sz="5400" b="1" dirty="0">
               <a:solidFill>
                 <a:schemeClr val="bg1"/>
               </a:solidFill>
@@ -3737,7 +3739,7 @@
               <a:buNone/>
             </a:pPr>
             <a:r>
-              <a:rPr lang="en" sz="5400" dirty="0">
+              <a:rPr lang="en" sz="5400" b="1" dirty="0">
                 <a:solidFill>
                   <a:schemeClr val="bg1"/>
                 </a:solidFill>
@@ -3748,7 +3750,7 @@
               </a:rPr>
               <a:t> (2020)</a:t>
             </a:r>
-            <a:endParaRPr sz="5400" dirty="0">
+            <a:endParaRPr sz="5400" b="1" dirty="0">
               <a:solidFill>
                 <a:schemeClr val="bg1"/>
               </a:solidFill>
@@ -3916,7 +3918,7 @@
         </p:blipFill>
         <p:spPr>
           <a:xfrm>
-            <a:off x="5517508" y="81834"/>
+            <a:off x="5749176" y="71822"/>
             <a:ext cx="693646" cy="675825"/>
           </a:xfrm>
           <a:prstGeom prst="rect">
@@ -4003,7 +4005,7 @@
               <a:buNone/>
             </a:pPr>
             <a:r>
-              <a:rPr lang="en" sz="5400" dirty="0">
+              <a:rPr lang="en" sz="5400" b="1" dirty="0">
                 <a:solidFill>
                   <a:srgbClr val="0000AB"/>
                 </a:solidFill>
@@ -4011,7 +4013,7 @@
               </a:rPr>
               <a:t>Dataset scelto</a:t>
             </a:r>
-            <a:endParaRPr sz="5400" dirty="0">
+            <a:endParaRPr sz="5400" b="1" dirty="0">
               <a:solidFill>
                 <a:srgbClr val="0000AB"/>
               </a:solidFill>
@@ -5270,7 +5272,7 @@
               <a:buNone/>
             </a:pPr>
             <a:r>
-              <a:rPr lang="en" sz="5400" dirty="0">
+              <a:rPr lang="en" sz="5400" b="1" dirty="0">
                 <a:solidFill>
                   <a:srgbClr val="0000AB"/>
                 </a:solidFill>
@@ -5278,7 +5280,7 @@
               </a:rPr>
               <a:t>Dataset finale</a:t>
             </a:r>
-            <a:endParaRPr sz="5400" dirty="0">
+            <a:endParaRPr sz="5400" b="1" dirty="0">
               <a:solidFill>
                 <a:srgbClr val="0000AB"/>
               </a:solidFill>
@@ -5877,28 +5879,19 @@
               <a:buNone/>
             </a:pPr>
             <a:r>
-              <a:rPr lang="en" sz="5400" dirty="0">
+              <a:rPr lang="en" sz="5400" b="1" dirty="0">
                 <a:solidFill>
                   <a:srgbClr val="0000AB"/>
                 </a:solidFill>
                 <a:latin typeface="Lato"/>
               </a:rPr>
-              <a:t>Tecnologie</a:t>
-            </a:r>
-            <a:r>
-              <a:rPr lang="en" sz="5400" dirty="0">
-                <a:solidFill>
-                  <a:srgbClr val="0000AB"/>
-                </a:solidFill>
-                <a:latin typeface="Akkurat" panose="02000503040000020004" pitchFamily="2" charset="0"/>
-              </a:rPr>
-              <a:t> utilizzate</a:t>
-            </a:r>
-            <a:endParaRPr sz="5400" dirty="0">
+              <a:t>Tecnologie utilizzate</a:t>
+            </a:r>
+            <a:endParaRPr sz="5400" b="1" dirty="0">
               <a:solidFill>
                 <a:srgbClr val="0000AB"/>
               </a:solidFill>
-              <a:latin typeface="Akkurat" panose="02000503040000020004" pitchFamily="2" charset="0"/>
+              <a:latin typeface="Lato"/>
             </a:endParaRPr>
           </a:p>
         </p:txBody>
@@ -6566,7 +6559,7 @@
               </a:spcBef>
             </a:pPr>
             <a:r>
-              <a:rPr lang="it-IT" sz="5400" dirty="0">
+              <a:rPr lang="it-IT" sz="5400" b="1" dirty="0">
                 <a:solidFill>
                   <a:srgbClr val="0000AB"/>
                 </a:solidFill>
@@ -8061,6 +8054,558 @@
     <p:extLst>
       <p:ext uri="{BB962C8B-B14F-4D97-AF65-F5344CB8AC3E}">
         <p14:creationId xmlns:p14="http://schemas.microsoft.com/office/powerpoint/2010/main" val="3272171114"/>
+      </p:ext>
+    </p:extLst>
+  </p:cSld>
+  <p:clrMapOvr>
+    <a:masterClrMapping/>
+  </p:clrMapOvr>
+</p:sld>
+</file>
+
+<file path=ppt/slides/slide6.xml><?xml version="1.0" encoding="utf-8"?>
+<p:sld xmlns:a="http://schemas.openxmlformats.org/drawingml/2006/main" xmlns:r="http://schemas.openxmlformats.org/officeDocument/2006/relationships" xmlns:p="http://schemas.openxmlformats.org/presentationml/2006/main">
+  <p:cSld>
+    <p:spTree>
+      <p:nvGrpSpPr>
+        <p:cNvPr id="1" name=""/>
+        <p:cNvGrpSpPr/>
+        <p:nvPr/>
+      </p:nvGrpSpPr>
+      <p:grpSpPr>
+        <a:xfrm>
+          <a:off x="0" y="0"/>
+          <a:ext cx="0" cy="0"/>
+          <a:chOff x="0" y="0"/>
+          <a:chExt cx="0" cy="0"/>
+        </a:xfrm>
+      </p:grpSpPr>
+      <p:sp>
+        <p:nvSpPr>
+          <p:cNvPr id="4" name="Google Shape;1515;p37">
+            <a:extLst>
+              <a:ext uri="{FF2B5EF4-FFF2-40B4-BE49-F238E27FC236}">
+                <a16:creationId xmlns:a16="http://schemas.microsoft.com/office/drawing/2014/main" id="{B870A965-165D-4F03-9386-3EC732288032}"/>
+              </a:ext>
+            </a:extLst>
+          </p:cNvPr>
+          <p:cNvSpPr txBox="1">
+            <a:spLocks/>
+          </p:cNvSpPr>
+          <p:nvPr/>
+        </p:nvSpPr>
+        <p:spPr>
+          <a:xfrm>
+            <a:off x="2631013" y="292544"/>
+            <a:ext cx="6929973" cy="1289812"/>
+          </a:xfrm>
+          <a:prstGeom prst="rect">
+            <a:avLst/>
+          </a:prstGeom>
+        </p:spPr>
+        <p:txBody>
+          <a:bodyPr spcFirstLastPara="1" wrap="square" lIns="91425" tIns="91425" rIns="91425" bIns="91425" anchor="ctr" anchorCtr="0">
+            <a:noAutofit/>
+          </a:bodyPr>
+          <a:lstStyle>
+            <a:lvl1pPr algn="l" defTabSz="914400" rtl="0" eaLnBrk="1" latinLnBrk="0" hangingPunct="1">
+              <a:lnSpc>
+                <a:spcPct val="90000"/>
+              </a:lnSpc>
+              <a:spcBef>
+                <a:spcPct val="0"/>
+              </a:spcBef>
+              <a:buNone/>
+              <a:defRPr sz="4400" kern="1200">
+                <a:solidFill>
+                  <a:schemeClr val="tx1"/>
+                </a:solidFill>
+                <a:latin typeface="+mj-lt"/>
+                <a:ea typeface="+mj-ea"/>
+                <a:cs typeface="+mj-cs"/>
+              </a:defRPr>
+            </a:lvl1pPr>
+          </a:lstStyle>
+          <a:p>
+            <a:pPr algn="ctr">
+              <a:spcBef>
+                <a:spcPts val="0"/>
+              </a:spcBef>
+            </a:pPr>
+            <a:r>
+              <a:rPr lang="it-IT" sz="5400" b="1" dirty="0">
+                <a:solidFill>
+                  <a:srgbClr val="0000AB"/>
+                </a:solidFill>
+                <a:latin typeface="Lato"/>
+              </a:rPr>
+              <a:t>Starter</a:t>
+            </a:r>
+          </a:p>
+        </p:txBody>
+      </p:sp>
+      <p:pic>
+        <p:nvPicPr>
+          <p:cNvPr id="6" name="Immagine 5">
+            <a:extLst>
+              <a:ext uri="{FF2B5EF4-FFF2-40B4-BE49-F238E27FC236}">
+                <a16:creationId xmlns:a16="http://schemas.microsoft.com/office/drawing/2014/main" id="{5207C238-AFEE-41F6-B480-292EDF80475E}"/>
+              </a:ext>
+            </a:extLst>
+          </p:cNvPr>
+          <p:cNvPicPr>
+            <a:picLocks noChangeAspect="1"/>
+          </p:cNvPicPr>
+          <p:nvPr/>
+        </p:nvPicPr>
+        <p:blipFill>
+          <a:blip r:embed="rId2">
+            <a:extLst>
+              <a:ext uri="{28A0092B-C50C-407E-A947-70E740481C1C}">
+                <a14:useLocalDpi xmlns:a14="http://schemas.microsoft.com/office/drawing/2010/main" val="0"/>
+              </a:ext>
+            </a:extLst>
+          </a:blip>
+          <a:stretch>
+            <a:fillRect/>
+          </a:stretch>
+        </p:blipFill>
+        <p:spPr>
+          <a:xfrm>
+            <a:off x="3022886" y="1866123"/>
+            <a:ext cx="6146225" cy="4121956"/>
+          </a:xfrm>
+          <a:prstGeom prst="rect">
+            <a:avLst/>
+          </a:prstGeom>
+          <a:effectLst>
+            <a:outerShdw blurRad="76200" dist="50800" algn="ctr" rotWithShape="0">
+              <a:srgbClr val="000000">
+                <a:alpha val="55000"/>
+              </a:srgbClr>
+            </a:outerShdw>
+          </a:effectLst>
+        </p:spPr>
+      </p:pic>
+    </p:spTree>
+    <p:extLst>
+      <p:ext uri="{BB962C8B-B14F-4D97-AF65-F5344CB8AC3E}">
+        <p14:creationId xmlns:p14="http://schemas.microsoft.com/office/powerpoint/2010/main" val="2855724773"/>
+      </p:ext>
+    </p:extLst>
+  </p:cSld>
+  <p:clrMapOvr>
+    <a:masterClrMapping/>
+  </p:clrMapOvr>
+</p:sld>
+</file>
+
+<file path=ppt/slides/slide7.xml><?xml version="1.0" encoding="utf-8"?>
+<p:sld xmlns:a="http://schemas.openxmlformats.org/drawingml/2006/main" xmlns:r="http://schemas.openxmlformats.org/officeDocument/2006/relationships" xmlns:p="http://schemas.openxmlformats.org/presentationml/2006/main">
+  <p:cSld>
+    <p:spTree>
+      <p:nvGrpSpPr>
+        <p:cNvPr id="1" name=""/>
+        <p:cNvGrpSpPr/>
+        <p:nvPr/>
+      </p:nvGrpSpPr>
+      <p:grpSpPr>
+        <a:xfrm>
+          <a:off x="0" y="0"/>
+          <a:ext cx="0" cy="0"/>
+          <a:chOff x="0" y="0"/>
+          <a:chExt cx="0" cy="0"/>
+        </a:xfrm>
+      </p:grpSpPr>
+      <p:sp>
+        <p:nvSpPr>
+          <p:cNvPr id="4" name="Google Shape;1635;p39">
+            <a:extLst>
+              <a:ext uri="{FF2B5EF4-FFF2-40B4-BE49-F238E27FC236}">
+                <a16:creationId xmlns:a16="http://schemas.microsoft.com/office/drawing/2014/main" id="{9C8F9FDE-31FC-4643-8660-2E9E7C774169}"/>
+              </a:ext>
+            </a:extLst>
+          </p:cNvPr>
+          <p:cNvSpPr txBox="1">
+            <a:spLocks/>
+          </p:cNvSpPr>
+          <p:nvPr/>
+        </p:nvSpPr>
+        <p:spPr>
+          <a:xfrm>
+            <a:off x="4798231" y="1664427"/>
+            <a:ext cx="2262744" cy="427000"/>
+          </a:xfrm>
+          <a:prstGeom prst="rect">
+            <a:avLst/>
+          </a:prstGeom>
+        </p:spPr>
+        <p:txBody>
+          <a:bodyPr spcFirstLastPara="1" vert="horz" wrap="square" lIns="91425" tIns="91425" rIns="91425" bIns="91425" rtlCol="0" anchor="ctr" anchorCtr="0">
+            <a:noAutofit/>
+          </a:bodyPr>
+          <a:lstStyle>
+            <a:lvl1pPr marL="228600" indent="-228600" algn="l" defTabSz="914400" rtl="0" eaLnBrk="1" latinLnBrk="0" hangingPunct="1">
+              <a:lnSpc>
+                <a:spcPct val="90000"/>
+              </a:lnSpc>
+              <a:spcBef>
+                <a:spcPts val="1000"/>
+              </a:spcBef>
+              <a:buFont typeface="Arial" panose="020B0604020202020204" pitchFamily="34" charset="0"/>
+              <a:buChar char="•"/>
+              <a:defRPr sz="2800" kern="1200">
+                <a:solidFill>
+                  <a:schemeClr val="tx1"/>
+                </a:solidFill>
+                <a:latin typeface="+mn-lt"/>
+                <a:ea typeface="+mn-ea"/>
+                <a:cs typeface="+mn-cs"/>
+              </a:defRPr>
+            </a:lvl1pPr>
+            <a:lvl2pPr marL="685800" indent="-228600" algn="l" defTabSz="914400" rtl="0" eaLnBrk="1" latinLnBrk="0" hangingPunct="1">
+              <a:lnSpc>
+                <a:spcPct val="90000"/>
+              </a:lnSpc>
+              <a:spcBef>
+                <a:spcPts val="500"/>
+              </a:spcBef>
+              <a:buFont typeface="Arial" panose="020B0604020202020204" pitchFamily="34" charset="0"/>
+              <a:buChar char="•"/>
+              <a:defRPr sz="2400" kern="1200">
+                <a:solidFill>
+                  <a:schemeClr val="tx1"/>
+                </a:solidFill>
+                <a:latin typeface="+mn-lt"/>
+                <a:ea typeface="+mn-ea"/>
+                <a:cs typeface="+mn-cs"/>
+              </a:defRPr>
+            </a:lvl2pPr>
+            <a:lvl3pPr marL="1143000" indent="-228600" algn="l" defTabSz="914400" rtl="0" eaLnBrk="1" latinLnBrk="0" hangingPunct="1">
+              <a:lnSpc>
+                <a:spcPct val="90000"/>
+              </a:lnSpc>
+              <a:spcBef>
+                <a:spcPts val="500"/>
+              </a:spcBef>
+              <a:buFont typeface="Arial" panose="020B0604020202020204" pitchFamily="34" charset="0"/>
+              <a:buChar char="•"/>
+              <a:defRPr sz="2000" kern="1200">
+                <a:solidFill>
+                  <a:schemeClr val="tx1"/>
+                </a:solidFill>
+                <a:latin typeface="+mn-lt"/>
+                <a:ea typeface="+mn-ea"/>
+                <a:cs typeface="+mn-cs"/>
+              </a:defRPr>
+            </a:lvl3pPr>
+            <a:lvl4pPr marL="1600200" indent="-228600" algn="l" defTabSz="914400" rtl="0" eaLnBrk="1" latinLnBrk="0" hangingPunct="1">
+              <a:lnSpc>
+                <a:spcPct val="90000"/>
+              </a:lnSpc>
+              <a:spcBef>
+                <a:spcPts val="500"/>
+              </a:spcBef>
+              <a:buFont typeface="Arial" panose="020B0604020202020204" pitchFamily="34" charset="0"/>
+              <a:buChar char="•"/>
+              <a:defRPr sz="1800" kern="1200">
+                <a:solidFill>
+                  <a:schemeClr val="tx1"/>
+                </a:solidFill>
+                <a:latin typeface="+mn-lt"/>
+                <a:ea typeface="+mn-ea"/>
+                <a:cs typeface="+mn-cs"/>
+              </a:defRPr>
+            </a:lvl4pPr>
+            <a:lvl5pPr marL="2057400" indent="-228600" algn="l" defTabSz="914400" rtl="0" eaLnBrk="1" latinLnBrk="0" hangingPunct="1">
+              <a:lnSpc>
+                <a:spcPct val="90000"/>
+              </a:lnSpc>
+              <a:spcBef>
+                <a:spcPts val="500"/>
+              </a:spcBef>
+              <a:buFont typeface="Arial" panose="020B0604020202020204" pitchFamily="34" charset="0"/>
+              <a:buChar char="•"/>
+              <a:defRPr sz="1800" kern="1200">
+                <a:solidFill>
+                  <a:schemeClr val="tx1"/>
+                </a:solidFill>
+                <a:latin typeface="+mn-lt"/>
+                <a:ea typeface="+mn-ea"/>
+                <a:cs typeface="+mn-cs"/>
+              </a:defRPr>
+            </a:lvl5pPr>
+            <a:lvl6pPr marL="2514600" indent="-228600" algn="l" defTabSz="914400" rtl="0" eaLnBrk="1" latinLnBrk="0" hangingPunct="1">
+              <a:lnSpc>
+                <a:spcPct val="90000"/>
+              </a:lnSpc>
+              <a:spcBef>
+                <a:spcPts val="500"/>
+              </a:spcBef>
+              <a:buFont typeface="Arial" panose="020B0604020202020204" pitchFamily="34" charset="0"/>
+              <a:buChar char="•"/>
+              <a:defRPr sz="1800" kern="1200">
+                <a:solidFill>
+                  <a:schemeClr val="tx1"/>
+                </a:solidFill>
+                <a:latin typeface="+mn-lt"/>
+                <a:ea typeface="+mn-ea"/>
+                <a:cs typeface="+mn-cs"/>
+              </a:defRPr>
+            </a:lvl6pPr>
+            <a:lvl7pPr marL="2971800" indent="-228600" algn="l" defTabSz="914400" rtl="0" eaLnBrk="1" latinLnBrk="0" hangingPunct="1">
+              <a:lnSpc>
+                <a:spcPct val="90000"/>
+              </a:lnSpc>
+              <a:spcBef>
+                <a:spcPts val="500"/>
+              </a:spcBef>
+              <a:buFont typeface="Arial" panose="020B0604020202020204" pitchFamily="34" charset="0"/>
+              <a:buChar char="•"/>
+              <a:defRPr sz="1800" kern="1200">
+                <a:solidFill>
+                  <a:schemeClr val="tx1"/>
+                </a:solidFill>
+                <a:latin typeface="+mn-lt"/>
+                <a:ea typeface="+mn-ea"/>
+                <a:cs typeface="+mn-cs"/>
+              </a:defRPr>
+            </a:lvl7pPr>
+            <a:lvl8pPr marL="3429000" indent="-228600" algn="l" defTabSz="914400" rtl="0" eaLnBrk="1" latinLnBrk="0" hangingPunct="1">
+              <a:lnSpc>
+                <a:spcPct val="90000"/>
+              </a:lnSpc>
+              <a:spcBef>
+                <a:spcPts val="500"/>
+              </a:spcBef>
+              <a:buFont typeface="Arial" panose="020B0604020202020204" pitchFamily="34" charset="0"/>
+              <a:buChar char="•"/>
+              <a:defRPr sz="1800" kern="1200">
+                <a:solidFill>
+                  <a:schemeClr val="tx1"/>
+                </a:solidFill>
+                <a:latin typeface="+mn-lt"/>
+                <a:ea typeface="+mn-ea"/>
+                <a:cs typeface="+mn-cs"/>
+              </a:defRPr>
+            </a:lvl8pPr>
+            <a:lvl9pPr marL="3886200" indent="-228600" algn="l" defTabSz="914400" rtl="0" eaLnBrk="1" latinLnBrk="0" hangingPunct="1">
+              <a:lnSpc>
+                <a:spcPct val="90000"/>
+              </a:lnSpc>
+              <a:spcBef>
+                <a:spcPts val="500"/>
+              </a:spcBef>
+              <a:buFont typeface="Arial" panose="020B0604020202020204" pitchFamily="34" charset="0"/>
+              <a:buChar char="•"/>
+              <a:defRPr sz="1800" kern="1200">
+                <a:solidFill>
+                  <a:schemeClr val="tx1"/>
+                </a:solidFill>
+                <a:latin typeface="+mn-lt"/>
+                <a:ea typeface="+mn-ea"/>
+                <a:cs typeface="+mn-cs"/>
+              </a:defRPr>
+            </a:lvl9pPr>
+          </a:lstStyle>
+          <a:p>
+            <a:pPr marL="0" indent="0" algn="ctr">
+              <a:spcBef>
+                <a:spcPts val="0"/>
+              </a:spcBef>
+              <a:buFont typeface="Arial" panose="020B0604020202020204" pitchFamily="34" charset="0"/>
+              <a:buNone/>
+            </a:pPr>
+            <a:r>
+              <a:rPr lang="it-IT" dirty="0">
+                <a:solidFill>
+                  <a:srgbClr val="0000AB"/>
+                </a:solidFill>
+                <a:latin typeface="Lato"/>
+              </a:rPr>
+              <a:t>Front-end</a:t>
+            </a:r>
+          </a:p>
+        </p:txBody>
+      </p:sp>
+      <p:sp>
+        <p:nvSpPr>
+          <p:cNvPr id="6" name="Google Shape;1515;p37">
+            <a:extLst>
+              <a:ext uri="{FF2B5EF4-FFF2-40B4-BE49-F238E27FC236}">
+                <a16:creationId xmlns:a16="http://schemas.microsoft.com/office/drawing/2014/main" id="{C178F998-8A22-4CE0-A2D9-3CE6E79B48CE}"/>
+              </a:ext>
+            </a:extLst>
+          </p:cNvPr>
+          <p:cNvSpPr txBox="1">
+            <a:spLocks/>
+          </p:cNvSpPr>
+          <p:nvPr/>
+        </p:nvSpPr>
+        <p:spPr>
+          <a:xfrm>
+            <a:off x="2662225" y="339197"/>
+            <a:ext cx="6867550" cy="1289812"/>
+          </a:xfrm>
+          <a:prstGeom prst="rect">
+            <a:avLst/>
+          </a:prstGeom>
+        </p:spPr>
+        <p:txBody>
+          <a:bodyPr spcFirstLastPara="1" wrap="square" lIns="91425" tIns="91425" rIns="91425" bIns="91425" anchor="ctr" anchorCtr="0">
+            <a:noAutofit/>
+          </a:bodyPr>
+          <a:lstStyle>
+            <a:lvl1pPr algn="l" defTabSz="914400" rtl="0" eaLnBrk="1" latinLnBrk="0" hangingPunct="1">
+              <a:lnSpc>
+                <a:spcPct val="90000"/>
+              </a:lnSpc>
+              <a:spcBef>
+                <a:spcPct val="0"/>
+              </a:spcBef>
+              <a:buNone/>
+              <a:defRPr sz="4400" kern="1200">
+                <a:solidFill>
+                  <a:schemeClr val="tx1"/>
+                </a:solidFill>
+                <a:latin typeface="+mj-lt"/>
+                <a:ea typeface="+mj-ea"/>
+                <a:cs typeface="+mj-cs"/>
+              </a:defRPr>
+            </a:lvl1pPr>
+          </a:lstStyle>
+          <a:p>
+            <a:pPr algn="ctr">
+              <a:spcBef>
+                <a:spcPts val="0"/>
+              </a:spcBef>
+            </a:pPr>
+            <a:r>
+              <a:rPr lang="it-IT" sz="5400" b="1" dirty="0">
+                <a:solidFill>
+                  <a:srgbClr val="0000AB"/>
+                </a:solidFill>
+                <a:latin typeface="Lato"/>
+              </a:rPr>
+              <a:t>Query per bike </a:t>
+            </a:r>
+            <a:r>
+              <a:rPr lang="it-IT" sz="5400" b="1" dirty="0" err="1">
+                <a:solidFill>
+                  <a:srgbClr val="0000AB"/>
+                </a:solidFill>
+                <a:latin typeface="Lato"/>
+              </a:rPr>
+              <a:t>type</a:t>
+            </a:r>
+            <a:endParaRPr lang="it-IT" sz="5400" b="1" dirty="0">
+              <a:solidFill>
+                <a:srgbClr val="0000AB"/>
+              </a:solidFill>
+              <a:latin typeface="Lato"/>
+            </a:endParaRPr>
+          </a:p>
+        </p:txBody>
+      </p:sp>
+      <p:sp>
+        <p:nvSpPr>
+          <p:cNvPr id="7" name="Rettangolo 6">
+            <a:extLst>
+              <a:ext uri="{FF2B5EF4-FFF2-40B4-BE49-F238E27FC236}">
+                <a16:creationId xmlns:a16="http://schemas.microsoft.com/office/drawing/2014/main" id="{E14702FA-B5F3-47F0-9A62-2458B2EFF0C6}"/>
+              </a:ext>
+            </a:extLst>
+          </p:cNvPr>
+          <p:cNvSpPr/>
+          <p:nvPr/>
+        </p:nvSpPr>
+        <p:spPr>
+          <a:xfrm>
+            <a:off x="5047861" y="1629009"/>
+            <a:ext cx="1763485" cy="497836"/>
+          </a:xfrm>
+          <a:prstGeom prst="rect">
+            <a:avLst/>
+          </a:prstGeom>
+          <a:noFill/>
+          <a:ln w="19050">
+            <a:solidFill>
+              <a:srgbClr val="0000AB"/>
+            </a:solidFill>
+          </a:ln>
+        </p:spPr>
+        <p:style>
+          <a:lnRef idx="2">
+            <a:schemeClr val="accent1">
+              <a:shade val="50000"/>
+            </a:schemeClr>
+          </a:lnRef>
+          <a:fillRef idx="1">
+            <a:schemeClr val="accent1"/>
+          </a:fillRef>
+          <a:effectRef idx="0">
+            <a:schemeClr val="accent1"/>
+          </a:effectRef>
+          <a:fontRef idx="minor">
+            <a:schemeClr val="lt1"/>
+          </a:fontRef>
+        </p:style>
+        <p:txBody>
+          <a:bodyPr rtlCol="0" anchor="ctr"/>
+          <a:lstStyle/>
+          <a:p>
+            <a:pPr algn="ctr"/>
+            <a:endParaRPr lang="it-IT"/>
+          </a:p>
+        </p:txBody>
+      </p:sp>
+      <p:pic>
+        <p:nvPicPr>
+          <p:cNvPr id="9" name="Immagine 8">
+            <a:extLst>
+              <a:ext uri="{FF2B5EF4-FFF2-40B4-BE49-F238E27FC236}">
+                <a16:creationId xmlns:a16="http://schemas.microsoft.com/office/drawing/2014/main" id="{56388BDF-80E2-44C6-978A-B72CE4B05E7D}"/>
+              </a:ext>
+            </a:extLst>
+          </p:cNvPr>
+          <p:cNvPicPr>
+            <a:picLocks noChangeAspect="1"/>
+          </p:cNvPicPr>
+          <p:nvPr/>
+        </p:nvPicPr>
+        <p:blipFill>
+          <a:blip r:embed="rId2">
+            <a:extLst>
+              <a:ext uri="{28A0092B-C50C-407E-A947-70E740481C1C}">
+                <a14:useLocalDpi xmlns:a14="http://schemas.microsoft.com/office/drawing/2010/main" val="0"/>
+              </a:ext>
+            </a:extLst>
+          </a:blip>
+          <a:stretch>
+            <a:fillRect/>
+          </a:stretch>
+        </p:blipFill>
+        <p:spPr>
+          <a:xfrm>
+            <a:off x="750952" y="2470175"/>
+            <a:ext cx="4296909" cy="3614976"/>
+          </a:xfrm>
+          <a:prstGeom prst="rect">
+            <a:avLst/>
+          </a:prstGeom>
+          <a:effectLst>
+            <a:outerShdw blurRad="50800" dist="25400" algn="ctr" rotWithShape="0">
+              <a:srgbClr val="000000">
+                <a:alpha val="85000"/>
+              </a:srgbClr>
+            </a:outerShdw>
+          </a:effectLst>
+        </p:spPr>
+      </p:pic>
+    </p:spTree>
+    <p:extLst>
+      <p:ext uri="{BB962C8B-B14F-4D97-AF65-F5344CB8AC3E}">
+        <p14:creationId xmlns:p14="http://schemas.microsoft.com/office/powerpoint/2010/main" val="3527004800"/>
       </p:ext>
     </p:extLst>
   </p:cSld>

--- a/presentazione/presentazioneBD2BarberisRobertazzi.pptx
+++ b/presentazione/presentazioneBD2BarberisRobertazzi.pptx
@@ -12,6 +12,10 @@
     <p:sldId id="260" r:id="rId6"/>
     <p:sldId id="261" r:id="rId7"/>
     <p:sldId id="262" r:id="rId8"/>
+    <p:sldId id="266" r:id="rId9"/>
+    <p:sldId id="263" r:id="rId10"/>
+    <p:sldId id="265" r:id="rId11"/>
+    <p:sldId id="267" r:id="rId12"/>
   </p:sldIdLst>
   <p:sldSz cx="12192000" cy="6858000"/>
   <p:notesSz cx="6858000" cy="9144000"/>
@@ -3939,6 +3943,531 @@
 </p:sld>
 </file>
 
+<file path=ppt/slides/slide10.xml><?xml version="1.0" encoding="utf-8"?>
+<p:sld xmlns:a="http://schemas.openxmlformats.org/drawingml/2006/main" xmlns:r="http://schemas.openxmlformats.org/officeDocument/2006/relationships" xmlns:p="http://schemas.openxmlformats.org/presentationml/2006/main">
+  <p:cSld>
+    <p:spTree>
+      <p:nvGrpSpPr>
+        <p:cNvPr id="1" name=""/>
+        <p:cNvGrpSpPr/>
+        <p:nvPr/>
+      </p:nvGrpSpPr>
+      <p:grpSpPr>
+        <a:xfrm>
+          <a:off x="0" y="0"/>
+          <a:ext cx="0" cy="0"/>
+          <a:chOff x="0" y="0"/>
+          <a:chExt cx="0" cy="0"/>
+        </a:xfrm>
+      </p:grpSpPr>
+      <p:sp>
+        <p:nvSpPr>
+          <p:cNvPr id="4" name="Google Shape;1515;p37">
+            <a:extLst>
+              <a:ext uri="{FF2B5EF4-FFF2-40B4-BE49-F238E27FC236}">
+                <a16:creationId xmlns:a16="http://schemas.microsoft.com/office/drawing/2014/main" id="{35ABF2EC-59B5-4941-A21C-21ACC062F870}"/>
+              </a:ext>
+            </a:extLst>
+          </p:cNvPr>
+          <p:cNvSpPr txBox="1">
+            <a:spLocks/>
+          </p:cNvSpPr>
+          <p:nvPr/>
+        </p:nvSpPr>
+        <p:spPr>
+          <a:xfrm>
+            <a:off x="2662225" y="279256"/>
+            <a:ext cx="6867550" cy="1289812"/>
+          </a:xfrm>
+          <a:prstGeom prst="rect">
+            <a:avLst/>
+          </a:prstGeom>
+        </p:spPr>
+        <p:txBody>
+          <a:bodyPr spcFirstLastPara="1" wrap="square" lIns="91425" tIns="91425" rIns="91425" bIns="91425" anchor="ctr" anchorCtr="0">
+            <a:noAutofit/>
+          </a:bodyPr>
+          <a:lstStyle>
+            <a:lvl1pPr algn="l" defTabSz="914400" rtl="0" eaLnBrk="1" latinLnBrk="0" hangingPunct="1">
+              <a:lnSpc>
+                <a:spcPct val="90000"/>
+              </a:lnSpc>
+              <a:spcBef>
+                <a:spcPct val="0"/>
+              </a:spcBef>
+              <a:buNone/>
+              <a:defRPr sz="4400" kern="1200">
+                <a:solidFill>
+                  <a:schemeClr val="tx1"/>
+                </a:solidFill>
+                <a:latin typeface="+mj-lt"/>
+                <a:ea typeface="+mj-ea"/>
+                <a:cs typeface="+mj-cs"/>
+              </a:defRPr>
+            </a:lvl1pPr>
+          </a:lstStyle>
+          <a:p>
+            <a:pPr algn="ctr">
+              <a:spcBef>
+                <a:spcPts val="0"/>
+              </a:spcBef>
+            </a:pPr>
+            <a:r>
+              <a:rPr lang="it-IT" sz="5400" b="1" dirty="0">
+                <a:solidFill>
+                  <a:srgbClr val="0000AB"/>
+                </a:solidFill>
+                <a:latin typeface="Lato"/>
+              </a:rPr>
+              <a:t>Risultato</a:t>
+            </a:r>
+          </a:p>
+        </p:txBody>
+      </p:sp>
+      <p:pic>
+        <p:nvPicPr>
+          <p:cNvPr id="6" name="Immagine 5">
+            <a:extLst>
+              <a:ext uri="{FF2B5EF4-FFF2-40B4-BE49-F238E27FC236}">
+                <a16:creationId xmlns:a16="http://schemas.microsoft.com/office/drawing/2014/main" id="{436B39CD-42B1-448A-AE38-15C9BCAF1AC9}"/>
+              </a:ext>
+            </a:extLst>
+          </p:cNvPr>
+          <p:cNvPicPr>
+            <a:picLocks noChangeAspect="1"/>
+          </p:cNvPicPr>
+          <p:nvPr/>
+        </p:nvPicPr>
+        <p:blipFill>
+          <a:blip r:embed="rId2">
+            <a:extLst>
+              <a:ext uri="{28A0092B-C50C-407E-A947-70E740481C1C}">
+                <a14:useLocalDpi xmlns:a14="http://schemas.microsoft.com/office/drawing/2010/main" val="0"/>
+              </a:ext>
+            </a:extLst>
+          </a:blip>
+          <a:srcRect/>
+          <a:stretch/>
+        </p:blipFill>
+        <p:spPr>
+          <a:xfrm>
+            <a:off x="1061644" y="1843774"/>
+            <a:ext cx="10068712" cy="4185392"/>
+          </a:xfrm>
+          <a:prstGeom prst="rect">
+            <a:avLst/>
+          </a:prstGeom>
+          <a:effectLst>
+            <a:outerShdw blurRad="88900" dist="50800" algn="ctr" rotWithShape="0">
+              <a:srgbClr val="000000">
+                <a:alpha val="60000"/>
+              </a:srgbClr>
+            </a:outerShdw>
+          </a:effectLst>
+        </p:spPr>
+      </p:pic>
+    </p:spTree>
+    <p:extLst>
+      <p:ext uri="{BB962C8B-B14F-4D97-AF65-F5344CB8AC3E}">
+        <p14:creationId xmlns:p14="http://schemas.microsoft.com/office/powerpoint/2010/main" val="1996407285"/>
+      </p:ext>
+    </p:extLst>
+  </p:cSld>
+  <p:clrMapOvr>
+    <a:masterClrMapping/>
+  </p:clrMapOvr>
+</p:sld>
+</file>
+
+<file path=ppt/slides/slide11.xml><?xml version="1.0" encoding="utf-8"?>
+<p:sld xmlns:a="http://schemas.openxmlformats.org/drawingml/2006/main" xmlns:r="http://schemas.openxmlformats.org/officeDocument/2006/relationships" xmlns:p="http://schemas.openxmlformats.org/presentationml/2006/main">
+  <p:cSld>
+    <p:spTree>
+      <p:nvGrpSpPr>
+        <p:cNvPr id="1" name=""/>
+        <p:cNvGrpSpPr/>
+        <p:nvPr/>
+      </p:nvGrpSpPr>
+      <p:grpSpPr>
+        <a:xfrm>
+          <a:off x="0" y="0"/>
+          <a:ext cx="0" cy="0"/>
+          <a:chOff x="0" y="0"/>
+          <a:chExt cx="0" cy="0"/>
+        </a:xfrm>
+      </p:grpSpPr>
+      <p:sp>
+        <p:nvSpPr>
+          <p:cNvPr id="4" name="Google Shape;1515;p37">
+            <a:extLst>
+              <a:ext uri="{FF2B5EF4-FFF2-40B4-BE49-F238E27FC236}">
+                <a16:creationId xmlns:a16="http://schemas.microsoft.com/office/drawing/2014/main" id="{6F3A4969-D09D-4A61-9B24-3174DB420E39}"/>
+              </a:ext>
+            </a:extLst>
+          </p:cNvPr>
+          <p:cNvSpPr txBox="1">
+            <a:spLocks/>
+          </p:cNvSpPr>
+          <p:nvPr/>
+        </p:nvSpPr>
+        <p:spPr>
+          <a:xfrm>
+            <a:off x="2662224" y="279256"/>
+            <a:ext cx="7032281" cy="1289812"/>
+          </a:xfrm>
+          <a:prstGeom prst="rect">
+            <a:avLst/>
+          </a:prstGeom>
+        </p:spPr>
+        <p:txBody>
+          <a:bodyPr spcFirstLastPara="1" wrap="square" lIns="91425" tIns="91425" rIns="91425" bIns="91425" anchor="ctr" anchorCtr="0">
+            <a:noAutofit/>
+          </a:bodyPr>
+          <a:lstStyle>
+            <a:lvl1pPr algn="l" defTabSz="914400" rtl="0" eaLnBrk="1" latinLnBrk="0" hangingPunct="1">
+              <a:lnSpc>
+                <a:spcPct val="90000"/>
+              </a:lnSpc>
+              <a:spcBef>
+                <a:spcPct val="0"/>
+              </a:spcBef>
+              <a:buNone/>
+              <a:defRPr sz="4400" kern="1200">
+                <a:solidFill>
+                  <a:schemeClr val="tx1"/>
+                </a:solidFill>
+                <a:latin typeface="+mj-lt"/>
+                <a:ea typeface="+mj-ea"/>
+                <a:cs typeface="+mj-cs"/>
+              </a:defRPr>
+            </a:lvl1pPr>
+          </a:lstStyle>
+          <a:p>
+            <a:pPr algn="ctr">
+              <a:spcBef>
+                <a:spcPts val="0"/>
+              </a:spcBef>
+            </a:pPr>
+            <a:r>
+              <a:rPr lang="it-IT" sz="5400" b="1" dirty="0">
+                <a:solidFill>
+                  <a:srgbClr val="0000AB"/>
+                </a:solidFill>
+                <a:latin typeface="Lato"/>
+              </a:rPr>
+              <a:t>Query personalizzata</a:t>
+            </a:r>
+          </a:p>
+        </p:txBody>
+      </p:sp>
+      <p:pic>
+        <p:nvPicPr>
+          <p:cNvPr id="6" name="Immagine 5">
+            <a:extLst>
+              <a:ext uri="{FF2B5EF4-FFF2-40B4-BE49-F238E27FC236}">
+                <a16:creationId xmlns:a16="http://schemas.microsoft.com/office/drawing/2014/main" id="{C12C3647-2C59-4555-AA97-A9F57B2C369B}"/>
+              </a:ext>
+            </a:extLst>
+          </p:cNvPr>
+          <p:cNvPicPr>
+            <a:picLocks noChangeAspect="1"/>
+          </p:cNvPicPr>
+          <p:nvPr/>
+        </p:nvPicPr>
+        <p:blipFill>
+          <a:blip r:embed="rId2">
+            <a:extLst>
+              <a:ext uri="{28A0092B-C50C-407E-A947-70E740481C1C}">
+                <a14:useLocalDpi xmlns:a14="http://schemas.microsoft.com/office/drawing/2010/main" val="0"/>
+              </a:ext>
+            </a:extLst>
+          </a:blip>
+          <a:stretch>
+            <a:fillRect/>
+          </a:stretch>
+        </p:blipFill>
+        <p:spPr>
+          <a:xfrm>
+            <a:off x="438467" y="1569068"/>
+            <a:ext cx="7576530" cy="4556675"/>
+          </a:xfrm>
+          <a:prstGeom prst="rect">
+            <a:avLst/>
+          </a:prstGeom>
+          <a:effectLst>
+            <a:outerShdw blurRad="101600" dist="38100" algn="ctr" rotWithShape="0">
+              <a:srgbClr val="000000">
+                <a:alpha val="70000"/>
+              </a:srgbClr>
+            </a:outerShdw>
+          </a:effectLst>
+        </p:spPr>
+      </p:pic>
+      <p:cxnSp>
+        <p:nvCxnSpPr>
+          <p:cNvPr id="7" name="Google Shape;1683;p41">
+            <a:extLst>
+              <a:ext uri="{FF2B5EF4-FFF2-40B4-BE49-F238E27FC236}">
+                <a16:creationId xmlns:a16="http://schemas.microsoft.com/office/drawing/2014/main" id="{DFBCB429-5B32-445C-87D6-FFAB5840DAE8}"/>
+              </a:ext>
+            </a:extLst>
+          </p:cNvPr>
+          <p:cNvCxnSpPr>
+            <a:cxnSpLocks/>
+          </p:cNvCxnSpPr>
+          <p:nvPr/>
+        </p:nvCxnSpPr>
+        <p:spPr>
+          <a:xfrm>
+            <a:off x="8014997" y="2171263"/>
+            <a:ext cx="1978089" cy="0"/>
+          </a:xfrm>
+          <a:prstGeom prst="straightConnector1">
+            <a:avLst/>
+          </a:prstGeom>
+          <a:noFill/>
+          <a:ln w="9525" cap="flat" cmpd="sng">
+            <a:solidFill>
+              <a:srgbClr val="0000AB"/>
+            </a:solidFill>
+            <a:prstDash val="solid"/>
+            <a:round/>
+            <a:headEnd type="none" w="med" len="med"/>
+            <a:tailEnd type="oval" w="med" len="med"/>
+          </a:ln>
+        </p:spPr>
+      </p:cxnSp>
+      <p:sp>
+        <p:nvSpPr>
+          <p:cNvPr id="10" name="Google Shape;1676;p41">
+            <a:extLst>
+              <a:ext uri="{FF2B5EF4-FFF2-40B4-BE49-F238E27FC236}">
+                <a16:creationId xmlns:a16="http://schemas.microsoft.com/office/drawing/2014/main" id="{0E4A88DB-0E69-433F-9A7E-29C2269CE384}"/>
+              </a:ext>
+            </a:extLst>
+          </p:cNvPr>
+          <p:cNvSpPr txBox="1"/>
+          <p:nvPr/>
+        </p:nvSpPr>
+        <p:spPr>
+          <a:xfrm>
+            <a:off x="10059508" y="1860463"/>
+            <a:ext cx="1382400" cy="621600"/>
+          </a:xfrm>
+          <a:prstGeom prst="rect">
+            <a:avLst/>
+          </a:prstGeom>
+          <a:noFill/>
+          <a:ln>
+            <a:noFill/>
+          </a:ln>
+        </p:spPr>
+        <p:txBody>
+          <a:bodyPr spcFirstLastPara="1" wrap="square" lIns="91425" tIns="91425" rIns="91425" bIns="91425" anchor="t" anchorCtr="0">
+            <a:noAutofit/>
+          </a:bodyPr>
+          <a:lstStyle/>
+          <a:p>
+            <a:pPr marL="0" lvl="0" indent="0" algn="l" rtl="0">
+              <a:spcBef>
+                <a:spcPts val="0"/>
+              </a:spcBef>
+              <a:spcAft>
+                <a:spcPts val="0"/>
+              </a:spcAft>
+              <a:buNone/>
+            </a:pPr>
+            <a:r>
+              <a:rPr lang="en" dirty="0">
+                <a:solidFill>
+                  <a:srgbClr val="0000AB"/>
+                </a:solidFill>
+                <a:latin typeface="Lato"/>
+                <a:ea typeface="Josefin Sans"/>
+                <a:cs typeface="Josefin Sans"/>
+                <a:sym typeface="Josefin Sans"/>
+              </a:rPr>
+              <a:t>Selezione del </a:t>
+            </a:r>
+            <a:r>
+              <a:rPr lang="en" b="1" dirty="0">
+                <a:solidFill>
+                  <a:srgbClr val="0000AB"/>
+                </a:solidFill>
+                <a:latin typeface="Lato"/>
+                <a:ea typeface="Josefin Sans"/>
+                <a:cs typeface="Josefin Sans"/>
+                <a:sym typeface="Josefin Sans"/>
+              </a:rPr>
+              <a:t>mese</a:t>
+            </a:r>
+            <a:r>
+              <a:rPr lang="en" dirty="0">
+                <a:solidFill>
+                  <a:srgbClr val="0000AB"/>
+                </a:solidFill>
+                <a:latin typeface="Lato"/>
+                <a:ea typeface="Josefin Sans"/>
+                <a:cs typeface="Josefin Sans"/>
+                <a:sym typeface="Josefin Sans"/>
+              </a:rPr>
+              <a:t>.</a:t>
+            </a:r>
+            <a:endParaRPr dirty="0">
+              <a:solidFill>
+                <a:srgbClr val="0000AB"/>
+              </a:solidFill>
+              <a:latin typeface="Lato"/>
+              <a:ea typeface="Josefin Sans"/>
+              <a:cs typeface="Josefin Sans"/>
+              <a:sym typeface="Josefin Sans"/>
+            </a:endParaRPr>
+          </a:p>
+        </p:txBody>
+      </p:sp>
+    </p:spTree>
+    <p:extLst>
+      <p:ext uri="{BB962C8B-B14F-4D97-AF65-F5344CB8AC3E}">
+        <p14:creationId xmlns:p14="http://schemas.microsoft.com/office/powerpoint/2010/main" val="423201291"/>
+      </p:ext>
+    </p:extLst>
+  </p:cSld>
+  <p:clrMapOvr>
+    <a:masterClrMapping/>
+  </p:clrMapOvr>
+  <p:timing>
+    <p:tnLst>
+      <p:par>
+        <p:cTn id="1" dur="indefinite" restart="never" nodeType="tmRoot">
+          <p:childTnLst>
+            <p:seq concurrent="1" nextAc="seek">
+              <p:cTn id="2" dur="indefinite" nodeType="mainSeq">
+                <p:childTnLst>
+                  <p:par>
+                    <p:cTn id="3" fill="hold">
+                      <p:stCondLst>
+                        <p:cond delay="indefinite"/>
+                        <p:cond evt="onBegin" delay="0">
+                          <p:tn val="2"/>
+                        </p:cond>
+                      </p:stCondLst>
+                      <p:childTnLst>
+                        <p:par>
+                          <p:cTn id="4" fill="hold">
+                            <p:stCondLst>
+                              <p:cond delay="0"/>
+                            </p:stCondLst>
+                            <p:childTnLst>
+                              <p:par>
+                                <p:cTn id="5" presetID="10" presetClass="entr" presetSubtype="0" fill="hold" nodeType="afterEffect">
+                                  <p:stCondLst>
+                                    <p:cond delay="0"/>
+                                  </p:stCondLst>
+                                  <p:childTnLst>
+                                    <p:set>
+                                      <p:cBhvr>
+                                        <p:cTn id="6" dur="1" fill="hold">
+                                          <p:stCondLst>
+                                            <p:cond delay="0"/>
+                                          </p:stCondLst>
+                                        </p:cTn>
+                                        <p:tgtEl>
+                                          <p:spTgt spid="7"/>
+                                        </p:tgtEl>
+                                        <p:attrNameLst>
+                                          <p:attrName>style.visibility</p:attrName>
+                                        </p:attrNameLst>
+                                      </p:cBhvr>
+                                      <p:to>
+                                        <p:strVal val="visible"/>
+                                      </p:to>
+                                    </p:set>
+                                    <p:animEffect transition="in" filter="fade">
+                                      <p:cBhvr>
+                                        <p:cTn id="7" dur="1200"/>
+                                        <p:tgtEl>
+                                          <p:spTgt spid="7"/>
+                                        </p:tgtEl>
+                                      </p:cBhvr>
+                                    </p:animEffect>
+                                  </p:childTnLst>
+                                </p:cTn>
+                              </p:par>
+                            </p:childTnLst>
+                          </p:cTn>
+                        </p:par>
+                        <p:par>
+                          <p:cTn id="8" fill="hold">
+                            <p:stCondLst>
+                              <p:cond delay="1200"/>
+                            </p:stCondLst>
+                            <p:childTnLst>
+                              <p:par>
+                                <p:cTn id="9" presetID="10" presetClass="entr" presetSubtype="0" fill="hold" nodeType="afterEffect">
+                                  <p:stCondLst>
+                                    <p:cond delay="0"/>
+                                  </p:stCondLst>
+                                  <p:childTnLst>
+                                    <p:set>
+                                      <p:cBhvr>
+                                        <p:cTn id="10" dur="1" fill="hold">
+                                          <p:stCondLst>
+                                            <p:cond delay="0"/>
+                                          </p:stCondLst>
+                                        </p:cTn>
+                                        <p:tgtEl>
+                                          <p:spTgt spid="10"/>
+                                        </p:tgtEl>
+                                        <p:attrNameLst>
+                                          <p:attrName>style.visibility</p:attrName>
+                                        </p:attrNameLst>
+                                      </p:cBhvr>
+                                      <p:to>
+                                        <p:strVal val="visible"/>
+                                      </p:to>
+                                    </p:set>
+                                    <p:animEffect transition="in" filter="fade">
+                                      <p:cBhvr>
+                                        <p:cTn id="11" dur="1000"/>
+                                        <p:tgtEl>
+                                          <p:spTgt spid="10"/>
+                                        </p:tgtEl>
+                                      </p:cBhvr>
+                                    </p:animEffect>
+                                  </p:childTnLst>
+                                </p:cTn>
+                              </p:par>
+                            </p:childTnLst>
+                          </p:cTn>
+                        </p:par>
+                      </p:childTnLst>
+                    </p:cTn>
+                  </p:par>
+                </p:childTnLst>
+              </p:cTn>
+              <p:prevCondLst>
+                <p:cond evt="onPrev" delay="0">
+                  <p:tgtEl>
+                    <p:sldTgt/>
+                  </p:tgtEl>
+                </p:cond>
+              </p:prevCondLst>
+              <p:nextCondLst>
+                <p:cond evt="onNext" delay="0">
+                  <p:tgtEl>
+                    <p:sldTgt/>
+                  </p:tgtEl>
+                </p:cond>
+              </p:nextCondLst>
+            </p:seq>
+          </p:childTnLst>
+        </p:cTn>
+      </p:par>
+    </p:tnLst>
+  </p:timing>
+</p:sld>
+</file>
+
 <file path=ppt/slides/slide2.xml><?xml version="1.0" encoding="utf-8"?>
 <p:sld xmlns:a="http://schemas.openxmlformats.org/drawingml/2006/main" xmlns:r="http://schemas.openxmlformats.org/officeDocument/2006/relationships" xmlns:p="http://schemas.openxmlformats.org/presentationml/2006/main">
   <p:cSld>
@@ -8233,7 +8762,7 @@
         </p:nvSpPr>
         <p:spPr>
           <a:xfrm>
-            <a:off x="4798231" y="1664427"/>
+            <a:off x="1147315" y="2229493"/>
             <a:ext cx="2262744" cy="427000"/>
           </a:xfrm>
           <a:prstGeom prst="rect">
@@ -8444,7 +8973,7 @@
         </p:nvSpPr>
         <p:spPr>
           <a:xfrm>
-            <a:off x="2662225" y="339197"/>
+            <a:off x="2662225" y="335239"/>
             <a:ext cx="6867550" cy="1289812"/>
           </a:xfrm>
           <a:prstGeom prst="rect">
@@ -8521,14 +9050,14 @@
         </p:nvSpPr>
         <p:spPr>
           <a:xfrm>
-            <a:off x="5047861" y="1629009"/>
+            <a:off x="1396945" y="2194075"/>
             <a:ext cx="1763485" cy="497836"/>
           </a:xfrm>
           <a:prstGeom prst="rect">
             <a:avLst/>
           </a:prstGeom>
           <a:noFill/>
-          <a:ln w="19050">
+          <a:ln w="38100">
             <a:solidFill>
               <a:srgbClr val="0000AB"/>
             </a:solidFill>
@@ -8587,8 +9116,8 @@
         </p:blipFill>
         <p:spPr>
           <a:xfrm>
-            <a:off x="750952" y="2470175"/>
-            <a:ext cx="4296909" cy="3614976"/>
+            <a:off x="742249" y="3225517"/>
+            <a:ext cx="3322502" cy="2795210"/>
           </a:xfrm>
           <a:prstGeom prst="rect">
             <a:avLst/>
@@ -8602,10 +9131,1233 @@
           </a:effectLst>
         </p:spPr>
       </p:pic>
+      <p:pic>
+        <p:nvPicPr>
+          <p:cNvPr id="8" name="Immagine 7" descr="Immagine che contiene testo&#10;&#10;Descrizione generata automaticamente">
+            <a:extLst>
+              <a:ext uri="{FF2B5EF4-FFF2-40B4-BE49-F238E27FC236}">
+                <a16:creationId xmlns:a16="http://schemas.microsoft.com/office/drawing/2014/main" id="{C1D97574-624D-477D-A22E-A6769CB3FA08}"/>
+              </a:ext>
+            </a:extLst>
+          </p:cNvPr>
+          <p:cNvPicPr>
+            <a:picLocks noChangeAspect="1"/>
+          </p:cNvPicPr>
+          <p:nvPr/>
+        </p:nvPicPr>
+        <p:blipFill>
+          <a:blip r:embed="rId3">
+            <a:extLst>
+              <a:ext uri="{28A0092B-C50C-407E-A947-70E740481C1C}">
+                <a14:useLocalDpi xmlns:a14="http://schemas.microsoft.com/office/drawing/2010/main" val="0"/>
+              </a:ext>
+            </a:extLst>
+          </a:blip>
+          <a:stretch>
+            <a:fillRect/>
+          </a:stretch>
+        </p:blipFill>
+        <p:spPr>
+          <a:xfrm>
+            <a:off x="5547969" y="3743805"/>
+            <a:ext cx="6206892" cy="1846354"/>
+          </a:xfrm>
+          <a:prstGeom prst="rect">
+            <a:avLst/>
+          </a:prstGeom>
+          <a:effectLst>
+            <a:outerShdw blurRad="88900" dist="38100" algn="ctr" rotWithShape="0">
+              <a:srgbClr val="000000">
+                <a:alpha val="91000"/>
+              </a:srgbClr>
+            </a:outerShdw>
+          </a:effectLst>
+        </p:spPr>
+      </p:pic>
+      <p:sp>
+        <p:nvSpPr>
+          <p:cNvPr id="10" name="Google Shape;1635;p39">
+            <a:extLst>
+              <a:ext uri="{FF2B5EF4-FFF2-40B4-BE49-F238E27FC236}">
+                <a16:creationId xmlns:a16="http://schemas.microsoft.com/office/drawing/2014/main" id="{2201471E-5A0F-4CAA-908D-F9D789566359}"/>
+              </a:ext>
+            </a:extLst>
+          </p:cNvPr>
+          <p:cNvSpPr txBox="1">
+            <a:spLocks/>
+          </p:cNvSpPr>
+          <p:nvPr/>
+        </p:nvSpPr>
+        <p:spPr>
+          <a:xfrm>
+            <a:off x="7267031" y="2229494"/>
+            <a:ext cx="2262744" cy="427000"/>
+          </a:xfrm>
+          <a:prstGeom prst="rect">
+            <a:avLst/>
+          </a:prstGeom>
+        </p:spPr>
+        <p:txBody>
+          <a:bodyPr spcFirstLastPara="1" vert="horz" wrap="square" lIns="91425" tIns="91425" rIns="91425" bIns="91425" rtlCol="0" anchor="ctr" anchorCtr="0">
+            <a:noAutofit/>
+          </a:bodyPr>
+          <a:lstStyle>
+            <a:lvl1pPr marL="228600" indent="-228600" algn="l" defTabSz="914400" rtl="0" eaLnBrk="1" latinLnBrk="0" hangingPunct="1">
+              <a:lnSpc>
+                <a:spcPct val="90000"/>
+              </a:lnSpc>
+              <a:spcBef>
+                <a:spcPts val="1000"/>
+              </a:spcBef>
+              <a:buFont typeface="Arial" panose="020B0604020202020204" pitchFamily="34" charset="0"/>
+              <a:buChar char="•"/>
+              <a:defRPr sz="2800" kern="1200">
+                <a:solidFill>
+                  <a:schemeClr val="tx1"/>
+                </a:solidFill>
+                <a:latin typeface="+mn-lt"/>
+                <a:ea typeface="+mn-ea"/>
+                <a:cs typeface="+mn-cs"/>
+              </a:defRPr>
+            </a:lvl1pPr>
+            <a:lvl2pPr marL="685800" indent="-228600" algn="l" defTabSz="914400" rtl="0" eaLnBrk="1" latinLnBrk="0" hangingPunct="1">
+              <a:lnSpc>
+                <a:spcPct val="90000"/>
+              </a:lnSpc>
+              <a:spcBef>
+                <a:spcPts val="500"/>
+              </a:spcBef>
+              <a:buFont typeface="Arial" panose="020B0604020202020204" pitchFamily="34" charset="0"/>
+              <a:buChar char="•"/>
+              <a:defRPr sz="2400" kern="1200">
+                <a:solidFill>
+                  <a:schemeClr val="tx1"/>
+                </a:solidFill>
+                <a:latin typeface="+mn-lt"/>
+                <a:ea typeface="+mn-ea"/>
+                <a:cs typeface="+mn-cs"/>
+              </a:defRPr>
+            </a:lvl2pPr>
+            <a:lvl3pPr marL="1143000" indent="-228600" algn="l" defTabSz="914400" rtl="0" eaLnBrk="1" latinLnBrk="0" hangingPunct="1">
+              <a:lnSpc>
+                <a:spcPct val="90000"/>
+              </a:lnSpc>
+              <a:spcBef>
+                <a:spcPts val="500"/>
+              </a:spcBef>
+              <a:buFont typeface="Arial" panose="020B0604020202020204" pitchFamily="34" charset="0"/>
+              <a:buChar char="•"/>
+              <a:defRPr sz="2000" kern="1200">
+                <a:solidFill>
+                  <a:schemeClr val="tx1"/>
+                </a:solidFill>
+                <a:latin typeface="+mn-lt"/>
+                <a:ea typeface="+mn-ea"/>
+                <a:cs typeface="+mn-cs"/>
+              </a:defRPr>
+            </a:lvl3pPr>
+            <a:lvl4pPr marL="1600200" indent="-228600" algn="l" defTabSz="914400" rtl="0" eaLnBrk="1" latinLnBrk="0" hangingPunct="1">
+              <a:lnSpc>
+                <a:spcPct val="90000"/>
+              </a:lnSpc>
+              <a:spcBef>
+                <a:spcPts val="500"/>
+              </a:spcBef>
+              <a:buFont typeface="Arial" panose="020B0604020202020204" pitchFamily="34" charset="0"/>
+              <a:buChar char="•"/>
+              <a:defRPr sz="1800" kern="1200">
+                <a:solidFill>
+                  <a:schemeClr val="tx1"/>
+                </a:solidFill>
+                <a:latin typeface="+mn-lt"/>
+                <a:ea typeface="+mn-ea"/>
+                <a:cs typeface="+mn-cs"/>
+              </a:defRPr>
+            </a:lvl4pPr>
+            <a:lvl5pPr marL="2057400" indent="-228600" algn="l" defTabSz="914400" rtl="0" eaLnBrk="1" latinLnBrk="0" hangingPunct="1">
+              <a:lnSpc>
+                <a:spcPct val="90000"/>
+              </a:lnSpc>
+              <a:spcBef>
+                <a:spcPts val="500"/>
+              </a:spcBef>
+              <a:buFont typeface="Arial" panose="020B0604020202020204" pitchFamily="34" charset="0"/>
+              <a:buChar char="•"/>
+              <a:defRPr sz="1800" kern="1200">
+                <a:solidFill>
+                  <a:schemeClr val="tx1"/>
+                </a:solidFill>
+                <a:latin typeface="+mn-lt"/>
+                <a:ea typeface="+mn-ea"/>
+                <a:cs typeface="+mn-cs"/>
+              </a:defRPr>
+            </a:lvl5pPr>
+            <a:lvl6pPr marL="2514600" indent="-228600" algn="l" defTabSz="914400" rtl="0" eaLnBrk="1" latinLnBrk="0" hangingPunct="1">
+              <a:lnSpc>
+                <a:spcPct val="90000"/>
+              </a:lnSpc>
+              <a:spcBef>
+                <a:spcPts val="500"/>
+              </a:spcBef>
+              <a:buFont typeface="Arial" panose="020B0604020202020204" pitchFamily="34" charset="0"/>
+              <a:buChar char="•"/>
+              <a:defRPr sz="1800" kern="1200">
+                <a:solidFill>
+                  <a:schemeClr val="tx1"/>
+                </a:solidFill>
+                <a:latin typeface="+mn-lt"/>
+                <a:ea typeface="+mn-ea"/>
+                <a:cs typeface="+mn-cs"/>
+              </a:defRPr>
+            </a:lvl6pPr>
+            <a:lvl7pPr marL="2971800" indent="-228600" algn="l" defTabSz="914400" rtl="0" eaLnBrk="1" latinLnBrk="0" hangingPunct="1">
+              <a:lnSpc>
+                <a:spcPct val="90000"/>
+              </a:lnSpc>
+              <a:spcBef>
+                <a:spcPts val="500"/>
+              </a:spcBef>
+              <a:buFont typeface="Arial" panose="020B0604020202020204" pitchFamily="34" charset="0"/>
+              <a:buChar char="•"/>
+              <a:defRPr sz="1800" kern="1200">
+                <a:solidFill>
+                  <a:schemeClr val="tx1"/>
+                </a:solidFill>
+                <a:latin typeface="+mn-lt"/>
+                <a:ea typeface="+mn-ea"/>
+                <a:cs typeface="+mn-cs"/>
+              </a:defRPr>
+            </a:lvl7pPr>
+            <a:lvl8pPr marL="3429000" indent="-228600" algn="l" defTabSz="914400" rtl="0" eaLnBrk="1" latinLnBrk="0" hangingPunct="1">
+              <a:lnSpc>
+                <a:spcPct val="90000"/>
+              </a:lnSpc>
+              <a:spcBef>
+                <a:spcPts val="500"/>
+              </a:spcBef>
+              <a:buFont typeface="Arial" panose="020B0604020202020204" pitchFamily="34" charset="0"/>
+              <a:buChar char="•"/>
+              <a:defRPr sz="1800" kern="1200">
+                <a:solidFill>
+                  <a:schemeClr val="tx1"/>
+                </a:solidFill>
+                <a:latin typeface="+mn-lt"/>
+                <a:ea typeface="+mn-ea"/>
+                <a:cs typeface="+mn-cs"/>
+              </a:defRPr>
+            </a:lvl8pPr>
+            <a:lvl9pPr marL="3886200" indent="-228600" algn="l" defTabSz="914400" rtl="0" eaLnBrk="1" latinLnBrk="0" hangingPunct="1">
+              <a:lnSpc>
+                <a:spcPct val="90000"/>
+              </a:lnSpc>
+              <a:spcBef>
+                <a:spcPts val="500"/>
+              </a:spcBef>
+              <a:buFont typeface="Arial" panose="020B0604020202020204" pitchFamily="34" charset="0"/>
+              <a:buChar char="•"/>
+              <a:defRPr sz="1800" kern="1200">
+                <a:solidFill>
+                  <a:schemeClr val="tx1"/>
+                </a:solidFill>
+                <a:latin typeface="+mn-lt"/>
+                <a:ea typeface="+mn-ea"/>
+                <a:cs typeface="+mn-cs"/>
+              </a:defRPr>
+            </a:lvl9pPr>
+          </a:lstStyle>
+          <a:p>
+            <a:pPr marL="0" indent="0" algn="ctr">
+              <a:spcBef>
+                <a:spcPts val="0"/>
+              </a:spcBef>
+              <a:buFont typeface="Arial" panose="020B0604020202020204" pitchFamily="34" charset="0"/>
+              <a:buNone/>
+            </a:pPr>
+            <a:r>
+              <a:rPr lang="it-IT" dirty="0">
+                <a:solidFill>
+                  <a:srgbClr val="0000AB"/>
+                </a:solidFill>
+                <a:latin typeface="Lato"/>
+              </a:rPr>
+              <a:t>Back-end</a:t>
+            </a:r>
+          </a:p>
+        </p:txBody>
+      </p:sp>
+      <p:sp>
+        <p:nvSpPr>
+          <p:cNvPr id="11" name="Rettangolo 10">
+            <a:extLst>
+              <a:ext uri="{FF2B5EF4-FFF2-40B4-BE49-F238E27FC236}">
+                <a16:creationId xmlns:a16="http://schemas.microsoft.com/office/drawing/2014/main" id="{B14F39D7-EE1E-4A3F-8549-D02AE3E7EA95}"/>
+              </a:ext>
+            </a:extLst>
+          </p:cNvPr>
+          <p:cNvSpPr/>
+          <p:nvPr/>
+        </p:nvSpPr>
+        <p:spPr>
+          <a:xfrm>
+            <a:off x="7516661" y="2194076"/>
+            <a:ext cx="1763485" cy="497836"/>
+          </a:xfrm>
+          <a:prstGeom prst="rect">
+            <a:avLst/>
+          </a:prstGeom>
+          <a:noFill/>
+          <a:ln w="38100">
+            <a:solidFill>
+              <a:srgbClr val="0000AB"/>
+            </a:solidFill>
+          </a:ln>
+        </p:spPr>
+        <p:style>
+          <a:lnRef idx="2">
+            <a:schemeClr val="accent1">
+              <a:shade val="50000"/>
+            </a:schemeClr>
+          </a:lnRef>
+          <a:fillRef idx="1">
+            <a:schemeClr val="accent1"/>
+          </a:fillRef>
+          <a:effectRef idx="0">
+            <a:schemeClr val="accent1"/>
+          </a:effectRef>
+          <a:fontRef idx="minor">
+            <a:schemeClr val="lt1"/>
+          </a:fontRef>
+        </p:style>
+        <p:txBody>
+          <a:bodyPr rtlCol="0" anchor="ctr"/>
+          <a:lstStyle/>
+          <a:p>
+            <a:pPr algn="ctr"/>
+            <a:endParaRPr lang="it-IT"/>
+          </a:p>
+        </p:txBody>
+      </p:sp>
+      <p:cxnSp>
+        <p:nvCxnSpPr>
+          <p:cNvPr id="12" name="Google Shape;1640;p39">
+            <a:extLst>
+              <a:ext uri="{FF2B5EF4-FFF2-40B4-BE49-F238E27FC236}">
+                <a16:creationId xmlns:a16="http://schemas.microsoft.com/office/drawing/2014/main" id="{B15FE29D-86A5-4A15-866A-C71664FAEFF2}"/>
+              </a:ext>
+            </a:extLst>
+          </p:cNvPr>
+          <p:cNvCxnSpPr>
+            <a:cxnSpLocks/>
+            <a:stCxn id="11" idx="1"/>
+            <a:endCxn id="7" idx="3"/>
+          </p:cNvCxnSpPr>
+          <p:nvPr/>
+        </p:nvCxnSpPr>
+        <p:spPr>
+          <a:xfrm rot="10800000">
+            <a:off x="3160431" y="2442994"/>
+            <a:ext cx="4356231" cy="1"/>
+          </a:xfrm>
+          <a:prstGeom prst="bentConnector3">
+            <a:avLst>
+              <a:gd name="adj1" fmla="val 50000"/>
+            </a:avLst>
+          </a:prstGeom>
+          <a:noFill/>
+          <a:ln w="38100" cap="flat" cmpd="sng">
+            <a:solidFill>
+              <a:srgbClr val="0000AB"/>
+            </a:solidFill>
+            <a:prstDash val="lgDashDot"/>
+            <a:round/>
+            <a:headEnd type="none" w="med" len="med"/>
+            <a:tailEnd type="none" w="med" len="med"/>
+          </a:ln>
+        </p:spPr>
+      </p:cxnSp>
     </p:spTree>
     <p:extLst>
       <p:ext uri="{BB962C8B-B14F-4D97-AF65-F5344CB8AC3E}">
         <p14:creationId xmlns:p14="http://schemas.microsoft.com/office/powerpoint/2010/main" val="3527004800"/>
+      </p:ext>
+    </p:extLst>
+  </p:cSld>
+  <p:clrMapOvr>
+    <a:masterClrMapping/>
+  </p:clrMapOvr>
+</p:sld>
+</file>
+
+<file path=ppt/slides/slide8.xml><?xml version="1.0" encoding="utf-8"?>
+<p:sld xmlns:a="http://schemas.openxmlformats.org/drawingml/2006/main" xmlns:r="http://schemas.openxmlformats.org/officeDocument/2006/relationships" xmlns:p="http://schemas.openxmlformats.org/presentationml/2006/main">
+  <p:cSld>
+    <p:spTree>
+      <p:nvGrpSpPr>
+        <p:cNvPr id="1" name=""/>
+        <p:cNvGrpSpPr/>
+        <p:nvPr/>
+      </p:nvGrpSpPr>
+      <p:grpSpPr>
+        <a:xfrm>
+          <a:off x="0" y="0"/>
+          <a:ext cx="0" cy="0"/>
+          <a:chOff x="0" y="0"/>
+          <a:chExt cx="0" cy="0"/>
+        </a:xfrm>
+      </p:grpSpPr>
+      <p:sp>
+        <p:nvSpPr>
+          <p:cNvPr id="4" name="Google Shape;1515;p37">
+            <a:extLst>
+              <a:ext uri="{FF2B5EF4-FFF2-40B4-BE49-F238E27FC236}">
+                <a16:creationId xmlns:a16="http://schemas.microsoft.com/office/drawing/2014/main" id="{35ABF2EC-59B5-4941-A21C-21ACC062F870}"/>
+              </a:ext>
+            </a:extLst>
+          </p:cNvPr>
+          <p:cNvSpPr txBox="1">
+            <a:spLocks/>
+          </p:cNvSpPr>
+          <p:nvPr/>
+        </p:nvSpPr>
+        <p:spPr>
+          <a:xfrm>
+            <a:off x="2662225" y="279256"/>
+            <a:ext cx="6867550" cy="1289812"/>
+          </a:xfrm>
+          <a:prstGeom prst="rect">
+            <a:avLst/>
+          </a:prstGeom>
+        </p:spPr>
+        <p:txBody>
+          <a:bodyPr spcFirstLastPara="1" wrap="square" lIns="91425" tIns="91425" rIns="91425" bIns="91425" anchor="ctr" anchorCtr="0">
+            <a:noAutofit/>
+          </a:bodyPr>
+          <a:lstStyle>
+            <a:lvl1pPr algn="l" defTabSz="914400" rtl="0" eaLnBrk="1" latinLnBrk="0" hangingPunct="1">
+              <a:lnSpc>
+                <a:spcPct val="90000"/>
+              </a:lnSpc>
+              <a:spcBef>
+                <a:spcPct val="0"/>
+              </a:spcBef>
+              <a:buNone/>
+              <a:defRPr sz="4400" kern="1200">
+                <a:solidFill>
+                  <a:schemeClr val="tx1"/>
+                </a:solidFill>
+                <a:latin typeface="+mj-lt"/>
+                <a:ea typeface="+mj-ea"/>
+                <a:cs typeface="+mj-cs"/>
+              </a:defRPr>
+            </a:lvl1pPr>
+          </a:lstStyle>
+          <a:p>
+            <a:pPr algn="ctr">
+              <a:spcBef>
+                <a:spcPts val="0"/>
+              </a:spcBef>
+            </a:pPr>
+            <a:r>
+              <a:rPr lang="it-IT" sz="5400" b="1" dirty="0">
+                <a:solidFill>
+                  <a:srgbClr val="0000AB"/>
+                </a:solidFill>
+                <a:latin typeface="Lato"/>
+              </a:rPr>
+              <a:t>Risultato</a:t>
+            </a:r>
+          </a:p>
+        </p:txBody>
+      </p:sp>
+      <p:pic>
+        <p:nvPicPr>
+          <p:cNvPr id="6" name="Immagine 5" descr="Immagine che contiene tavolo&#10;&#10;Descrizione generata automaticamente">
+            <a:extLst>
+              <a:ext uri="{FF2B5EF4-FFF2-40B4-BE49-F238E27FC236}">
+                <a16:creationId xmlns:a16="http://schemas.microsoft.com/office/drawing/2014/main" id="{436B39CD-42B1-448A-AE38-15C9BCAF1AC9}"/>
+              </a:ext>
+            </a:extLst>
+          </p:cNvPr>
+          <p:cNvPicPr>
+            <a:picLocks noChangeAspect="1"/>
+          </p:cNvPicPr>
+          <p:nvPr/>
+        </p:nvPicPr>
+        <p:blipFill>
+          <a:blip r:embed="rId2">
+            <a:extLst>
+              <a:ext uri="{28A0092B-C50C-407E-A947-70E740481C1C}">
+                <a14:useLocalDpi xmlns:a14="http://schemas.microsoft.com/office/drawing/2010/main" val="0"/>
+              </a:ext>
+            </a:extLst>
+          </a:blip>
+          <a:stretch>
+            <a:fillRect/>
+          </a:stretch>
+        </p:blipFill>
+        <p:spPr>
+          <a:xfrm>
+            <a:off x="1061643" y="1843774"/>
+            <a:ext cx="10068714" cy="4185392"/>
+          </a:xfrm>
+          <a:prstGeom prst="rect">
+            <a:avLst/>
+          </a:prstGeom>
+          <a:effectLst>
+            <a:outerShdw blurRad="88900" dist="50800" algn="ctr" rotWithShape="0">
+              <a:srgbClr val="000000">
+                <a:alpha val="60000"/>
+              </a:srgbClr>
+            </a:outerShdw>
+          </a:effectLst>
+        </p:spPr>
+      </p:pic>
+    </p:spTree>
+    <p:extLst>
+      <p:ext uri="{BB962C8B-B14F-4D97-AF65-F5344CB8AC3E}">
+        <p14:creationId xmlns:p14="http://schemas.microsoft.com/office/powerpoint/2010/main" val="2908624820"/>
+      </p:ext>
+    </p:extLst>
+  </p:cSld>
+  <p:clrMapOvr>
+    <a:masterClrMapping/>
+  </p:clrMapOvr>
+</p:sld>
+</file>
+
+<file path=ppt/slides/slide9.xml><?xml version="1.0" encoding="utf-8"?>
+<p:sld xmlns:a="http://schemas.openxmlformats.org/drawingml/2006/main" xmlns:r="http://schemas.openxmlformats.org/officeDocument/2006/relationships" xmlns:p="http://schemas.openxmlformats.org/presentationml/2006/main">
+  <p:cSld>
+    <p:spTree>
+      <p:nvGrpSpPr>
+        <p:cNvPr id="1" name=""/>
+        <p:cNvGrpSpPr/>
+        <p:nvPr/>
+      </p:nvGrpSpPr>
+      <p:grpSpPr>
+        <a:xfrm>
+          <a:off x="0" y="0"/>
+          <a:ext cx="0" cy="0"/>
+          <a:chOff x="0" y="0"/>
+          <a:chExt cx="0" cy="0"/>
+        </a:xfrm>
+      </p:grpSpPr>
+      <p:sp>
+        <p:nvSpPr>
+          <p:cNvPr id="4" name="Google Shape;1635;p39">
+            <a:extLst>
+              <a:ext uri="{FF2B5EF4-FFF2-40B4-BE49-F238E27FC236}">
+                <a16:creationId xmlns:a16="http://schemas.microsoft.com/office/drawing/2014/main" id="{9C8F9FDE-31FC-4643-8660-2E9E7C774169}"/>
+              </a:ext>
+            </a:extLst>
+          </p:cNvPr>
+          <p:cNvSpPr txBox="1">
+            <a:spLocks/>
+          </p:cNvSpPr>
+          <p:nvPr/>
+        </p:nvSpPr>
+        <p:spPr>
+          <a:xfrm>
+            <a:off x="1780481" y="2229494"/>
+            <a:ext cx="2262744" cy="427000"/>
+          </a:xfrm>
+          <a:prstGeom prst="rect">
+            <a:avLst/>
+          </a:prstGeom>
+        </p:spPr>
+        <p:txBody>
+          <a:bodyPr spcFirstLastPara="1" vert="horz" wrap="square" lIns="91425" tIns="91425" rIns="91425" bIns="91425" rtlCol="0" anchor="ctr" anchorCtr="0">
+            <a:noAutofit/>
+          </a:bodyPr>
+          <a:lstStyle>
+            <a:lvl1pPr marL="228600" indent="-228600" algn="l" defTabSz="914400" rtl="0" eaLnBrk="1" latinLnBrk="0" hangingPunct="1">
+              <a:lnSpc>
+                <a:spcPct val="90000"/>
+              </a:lnSpc>
+              <a:spcBef>
+                <a:spcPts val="1000"/>
+              </a:spcBef>
+              <a:buFont typeface="Arial" panose="020B0604020202020204" pitchFamily="34" charset="0"/>
+              <a:buChar char="•"/>
+              <a:defRPr sz="2800" kern="1200">
+                <a:solidFill>
+                  <a:schemeClr val="tx1"/>
+                </a:solidFill>
+                <a:latin typeface="+mn-lt"/>
+                <a:ea typeface="+mn-ea"/>
+                <a:cs typeface="+mn-cs"/>
+              </a:defRPr>
+            </a:lvl1pPr>
+            <a:lvl2pPr marL="685800" indent="-228600" algn="l" defTabSz="914400" rtl="0" eaLnBrk="1" latinLnBrk="0" hangingPunct="1">
+              <a:lnSpc>
+                <a:spcPct val="90000"/>
+              </a:lnSpc>
+              <a:spcBef>
+                <a:spcPts val="500"/>
+              </a:spcBef>
+              <a:buFont typeface="Arial" panose="020B0604020202020204" pitchFamily="34" charset="0"/>
+              <a:buChar char="•"/>
+              <a:defRPr sz="2400" kern="1200">
+                <a:solidFill>
+                  <a:schemeClr val="tx1"/>
+                </a:solidFill>
+                <a:latin typeface="+mn-lt"/>
+                <a:ea typeface="+mn-ea"/>
+                <a:cs typeface="+mn-cs"/>
+              </a:defRPr>
+            </a:lvl2pPr>
+            <a:lvl3pPr marL="1143000" indent="-228600" algn="l" defTabSz="914400" rtl="0" eaLnBrk="1" latinLnBrk="0" hangingPunct="1">
+              <a:lnSpc>
+                <a:spcPct val="90000"/>
+              </a:lnSpc>
+              <a:spcBef>
+                <a:spcPts val="500"/>
+              </a:spcBef>
+              <a:buFont typeface="Arial" panose="020B0604020202020204" pitchFamily="34" charset="0"/>
+              <a:buChar char="•"/>
+              <a:defRPr sz="2000" kern="1200">
+                <a:solidFill>
+                  <a:schemeClr val="tx1"/>
+                </a:solidFill>
+                <a:latin typeface="+mn-lt"/>
+                <a:ea typeface="+mn-ea"/>
+                <a:cs typeface="+mn-cs"/>
+              </a:defRPr>
+            </a:lvl3pPr>
+            <a:lvl4pPr marL="1600200" indent="-228600" algn="l" defTabSz="914400" rtl="0" eaLnBrk="1" latinLnBrk="0" hangingPunct="1">
+              <a:lnSpc>
+                <a:spcPct val="90000"/>
+              </a:lnSpc>
+              <a:spcBef>
+                <a:spcPts val="500"/>
+              </a:spcBef>
+              <a:buFont typeface="Arial" panose="020B0604020202020204" pitchFamily="34" charset="0"/>
+              <a:buChar char="•"/>
+              <a:defRPr sz="1800" kern="1200">
+                <a:solidFill>
+                  <a:schemeClr val="tx1"/>
+                </a:solidFill>
+                <a:latin typeface="+mn-lt"/>
+                <a:ea typeface="+mn-ea"/>
+                <a:cs typeface="+mn-cs"/>
+              </a:defRPr>
+            </a:lvl4pPr>
+            <a:lvl5pPr marL="2057400" indent="-228600" algn="l" defTabSz="914400" rtl="0" eaLnBrk="1" latinLnBrk="0" hangingPunct="1">
+              <a:lnSpc>
+                <a:spcPct val="90000"/>
+              </a:lnSpc>
+              <a:spcBef>
+                <a:spcPts val="500"/>
+              </a:spcBef>
+              <a:buFont typeface="Arial" panose="020B0604020202020204" pitchFamily="34" charset="0"/>
+              <a:buChar char="•"/>
+              <a:defRPr sz="1800" kern="1200">
+                <a:solidFill>
+                  <a:schemeClr val="tx1"/>
+                </a:solidFill>
+                <a:latin typeface="+mn-lt"/>
+                <a:ea typeface="+mn-ea"/>
+                <a:cs typeface="+mn-cs"/>
+              </a:defRPr>
+            </a:lvl5pPr>
+            <a:lvl6pPr marL="2514600" indent="-228600" algn="l" defTabSz="914400" rtl="0" eaLnBrk="1" latinLnBrk="0" hangingPunct="1">
+              <a:lnSpc>
+                <a:spcPct val="90000"/>
+              </a:lnSpc>
+              <a:spcBef>
+                <a:spcPts val="500"/>
+              </a:spcBef>
+              <a:buFont typeface="Arial" panose="020B0604020202020204" pitchFamily="34" charset="0"/>
+              <a:buChar char="•"/>
+              <a:defRPr sz="1800" kern="1200">
+                <a:solidFill>
+                  <a:schemeClr val="tx1"/>
+                </a:solidFill>
+                <a:latin typeface="+mn-lt"/>
+                <a:ea typeface="+mn-ea"/>
+                <a:cs typeface="+mn-cs"/>
+              </a:defRPr>
+            </a:lvl6pPr>
+            <a:lvl7pPr marL="2971800" indent="-228600" algn="l" defTabSz="914400" rtl="0" eaLnBrk="1" latinLnBrk="0" hangingPunct="1">
+              <a:lnSpc>
+                <a:spcPct val="90000"/>
+              </a:lnSpc>
+              <a:spcBef>
+                <a:spcPts val="500"/>
+              </a:spcBef>
+              <a:buFont typeface="Arial" panose="020B0604020202020204" pitchFamily="34" charset="0"/>
+              <a:buChar char="•"/>
+              <a:defRPr sz="1800" kern="1200">
+                <a:solidFill>
+                  <a:schemeClr val="tx1"/>
+                </a:solidFill>
+                <a:latin typeface="+mn-lt"/>
+                <a:ea typeface="+mn-ea"/>
+                <a:cs typeface="+mn-cs"/>
+              </a:defRPr>
+            </a:lvl7pPr>
+            <a:lvl8pPr marL="3429000" indent="-228600" algn="l" defTabSz="914400" rtl="0" eaLnBrk="1" latinLnBrk="0" hangingPunct="1">
+              <a:lnSpc>
+                <a:spcPct val="90000"/>
+              </a:lnSpc>
+              <a:spcBef>
+                <a:spcPts val="500"/>
+              </a:spcBef>
+              <a:buFont typeface="Arial" panose="020B0604020202020204" pitchFamily="34" charset="0"/>
+              <a:buChar char="•"/>
+              <a:defRPr sz="1800" kern="1200">
+                <a:solidFill>
+                  <a:schemeClr val="tx1"/>
+                </a:solidFill>
+                <a:latin typeface="+mn-lt"/>
+                <a:ea typeface="+mn-ea"/>
+                <a:cs typeface="+mn-cs"/>
+              </a:defRPr>
+            </a:lvl8pPr>
+            <a:lvl9pPr marL="3886200" indent="-228600" algn="l" defTabSz="914400" rtl="0" eaLnBrk="1" latinLnBrk="0" hangingPunct="1">
+              <a:lnSpc>
+                <a:spcPct val="90000"/>
+              </a:lnSpc>
+              <a:spcBef>
+                <a:spcPts val="500"/>
+              </a:spcBef>
+              <a:buFont typeface="Arial" panose="020B0604020202020204" pitchFamily="34" charset="0"/>
+              <a:buChar char="•"/>
+              <a:defRPr sz="1800" kern="1200">
+                <a:solidFill>
+                  <a:schemeClr val="tx1"/>
+                </a:solidFill>
+                <a:latin typeface="+mn-lt"/>
+                <a:ea typeface="+mn-ea"/>
+                <a:cs typeface="+mn-cs"/>
+              </a:defRPr>
+            </a:lvl9pPr>
+          </a:lstStyle>
+          <a:p>
+            <a:pPr marL="0" indent="0" algn="ctr">
+              <a:spcBef>
+                <a:spcPts val="0"/>
+              </a:spcBef>
+              <a:buFont typeface="Arial" panose="020B0604020202020204" pitchFamily="34" charset="0"/>
+              <a:buNone/>
+            </a:pPr>
+            <a:r>
+              <a:rPr lang="it-IT" dirty="0">
+                <a:solidFill>
+                  <a:srgbClr val="0000AB"/>
+                </a:solidFill>
+                <a:latin typeface="Lato"/>
+              </a:rPr>
+              <a:t>Front-end</a:t>
+            </a:r>
+          </a:p>
+        </p:txBody>
+      </p:sp>
+      <p:sp>
+        <p:nvSpPr>
+          <p:cNvPr id="6" name="Google Shape;1515;p37">
+            <a:extLst>
+              <a:ext uri="{FF2B5EF4-FFF2-40B4-BE49-F238E27FC236}">
+                <a16:creationId xmlns:a16="http://schemas.microsoft.com/office/drawing/2014/main" id="{C178F998-8A22-4CE0-A2D9-3CE6E79B48CE}"/>
+              </a:ext>
+            </a:extLst>
+          </p:cNvPr>
+          <p:cNvSpPr txBox="1">
+            <a:spLocks/>
+          </p:cNvSpPr>
+          <p:nvPr/>
+        </p:nvSpPr>
+        <p:spPr>
+          <a:xfrm>
+            <a:off x="2256298" y="269855"/>
+            <a:ext cx="6867550" cy="1289812"/>
+          </a:xfrm>
+          <a:prstGeom prst="rect">
+            <a:avLst/>
+          </a:prstGeom>
+        </p:spPr>
+        <p:txBody>
+          <a:bodyPr spcFirstLastPara="1" wrap="square" lIns="91425" tIns="91425" rIns="91425" bIns="91425" anchor="ctr" anchorCtr="0">
+            <a:noAutofit/>
+          </a:bodyPr>
+          <a:lstStyle>
+            <a:lvl1pPr algn="l" defTabSz="914400" rtl="0" eaLnBrk="1" latinLnBrk="0" hangingPunct="1">
+              <a:lnSpc>
+                <a:spcPct val="90000"/>
+              </a:lnSpc>
+              <a:spcBef>
+                <a:spcPct val="0"/>
+              </a:spcBef>
+              <a:buNone/>
+              <a:defRPr sz="4400" kern="1200">
+                <a:solidFill>
+                  <a:schemeClr val="tx1"/>
+                </a:solidFill>
+                <a:latin typeface="+mj-lt"/>
+                <a:ea typeface="+mj-ea"/>
+                <a:cs typeface="+mj-cs"/>
+              </a:defRPr>
+            </a:lvl1pPr>
+          </a:lstStyle>
+          <a:p>
+            <a:pPr algn="ctr">
+              <a:spcBef>
+                <a:spcPts val="0"/>
+              </a:spcBef>
+            </a:pPr>
+            <a:r>
+              <a:rPr lang="it-IT" sz="5400" b="1" dirty="0">
+                <a:solidFill>
+                  <a:srgbClr val="0000AB"/>
+                </a:solidFill>
+                <a:latin typeface="Lato"/>
+              </a:rPr>
+              <a:t>Query per mese</a:t>
+            </a:r>
+          </a:p>
+        </p:txBody>
+      </p:sp>
+      <p:sp>
+        <p:nvSpPr>
+          <p:cNvPr id="7" name="Rettangolo 6">
+            <a:extLst>
+              <a:ext uri="{FF2B5EF4-FFF2-40B4-BE49-F238E27FC236}">
+                <a16:creationId xmlns:a16="http://schemas.microsoft.com/office/drawing/2014/main" id="{E14702FA-B5F3-47F0-9A62-2458B2EFF0C6}"/>
+              </a:ext>
+            </a:extLst>
+          </p:cNvPr>
+          <p:cNvSpPr/>
+          <p:nvPr/>
+        </p:nvSpPr>
+        <p:spPr>
+          <a:xfrm>
+            <a:off x="2030111" y="2194076"/>
+            <a:ext cx="1763485" cy="497836"/>
+          </a:xfrm>
+          <a:prstGeom prst="rect">
+            <a:avLst/>
+          </a:prstGeom>
+          <a:noFill/>
+          <a:ln w="38100">
+            <a:solidFill>
+              <a:srgbClr val="0000AB"/>
+            </a:solidFill>
+          </a:ln>
+        </p:spPr>
+        <p:style>
+          <a:lnRef idx="2">
+            <a:schemeClr val="accent1">
+              <a:shade val="50000"/>
+            </a:schemeClr>
+          </a:lnRef>
+          <a:fillRef idx="1">
+            <a:schemeClr val="accent1"/>
+          </a:fillRef>
+          <a:effectRef idx="0">
+            <a:schemeClr val="accent1"/>
+          </a:effectRef>
+          <a:fontRef idx="minor">
+            <a:schemeClr val="lt1"/>
+          </a:fontRef>
+        </p:style>
+        <p:txBody>
+          <a:bodyPr rtlCol="0" anchor="ctr"/>
+          <a:lstStyle/>
+          <a:p>
+            <a:pPr algn="ctr"/>
+            <a:endParaRPr lang="it-IT"/>
+          </a:p>
+        </p:txBody>
+      </p:sp>
+      <p:pic>
+        <p:nvPicPr>
+          <p:cNvPr id="9" name="Immagine 8">
+            <a:extLst>
+              <a:ext uri="{FF2B5EF4-FFF2-40B4-BE49-F238E27FC236}">
+                <a16:creationId xmlns:a16="http://schemas.microsoft.com/office/drawing/2014/main" id="{56388BDF-80E2-44C6-978A-B72CE4B05E7D}"/>
+              </a:ext>
+            </a:extLst>
+          </p:cNvPr>
+          <p:cNvPicPr>
+            <a:picLocks noChangeAspect="1"/>
+          </p:cNvPicPr>
+          <p:nvPr/>
+        </p:nvPicPr>
+        <p:blipFill>
+          <a:blip r:embed="rId2">
+            <a:extLst>
+              <a:ext uri="{28A0092B-C50C-407E-A947-70E740481C1C}">
+                <a14:useLocalDpi xmlns:a14="http://schemas.microsoft.com/office/drawing/2010/main" val="0"/>
+              </a:ext>
+            </a:extLst>
+          </a:blip>
+          <a:srcRect/>
+          <a:stretch/>
+        </p:blipFill>
+        <p:spPr>
+          <a:xfrm>
+            <a:off x="900163" y="3090104"/>
+            <a:ext cx="3924173" cy="2978712"/>
+          </a:xfrm>
+          <a:prstGeom prst="rect">
+            <a:avLst/>
+          </a:prstGeom>
+          <a:effectLst>
+            <a:outerShdw blurRad="50800" dist="25400" algn="ctr" rotWithShape="0">
+              <a:srgbClr val="000000">
+                <a:alpha val="85000"/>
+              </a:srgbClr>
+            </a:outerShdw>
+          </a:effectLst>
+        </p:spPr>
+      </p:pic>
+      <p:pic>
+        <p:nvPicPr>
+          <p:cNvPr id="8" name="Immagine 7">
+            <a:extLst>
+              <a:ext uri="{FF2B5EF4-FFF2-40B4-BE49-F238E27FC236}">
+                <a16:creationId xmlns:a16="http://schemas.microsoft.com/office/drawing/2014/main" id="{C1D97574-624D-477D-A22E-A6769CB3FA08}"/>
+              </a:ext>
+            </a:extLst>
+          </p:cNvPr>
+          <p:cNvPicPr>
+            <a:picLocks noChangeAspect="1"/>
+          </p:cNvPicPr>
+          <p:nvPr/>
+        </p:nvPicPr>
+        <p:blipFill>
+          <a:blip r:embed="rId3">
+            <a:extLst>
+              <a:ext uri="{28A0092B-C50C-407E-A947-70E740481C1C}">
+                <a14:useLocalDpi xmlns:a14="http://schemas.microsoft.com/office/drawing/2010/main" val="0"/>
+              </a:ext>
+            </a:extLst>
+          </a:blip>
+          <a:srcRect/>
+          <a:stretch/>
+        </p:blipFill>
+        <p:spPr>
+          <a:xfrm>
+            <a:off x="5890098" y="3090104"/>
+            <a:ext cx="5416660" cy="3066034"/>
+          </a:xfrm>
+          <a:prstGeom prst="rect">
+            <a:avLst/>
+          </a:prstGeom>
+          <a:effectLst>
+            <a:outerShdw blurRad="88900" dist="38100" algn="ctr" rotWithShape="0">
+              <a:srgbClr val="000000">
+                <a:alpha val="91000"/>
+              </a:srgbClr>
+            </a:outerShdw>
+          </a:effectLst>
+        </p:spPr>
+      </p:pic>
+      <p:sp>
+        <p:nvSpPr>
+          <p:cNvPr id="10" name="Google Shape;1635;p39">
+            <a:extLst>
+              <a:ext uri="{FF2B5EF4-FFF2-40B4-BE49-F238E27FC236}">
+                <a16:creationId xmlns:a16="http://schemas.microsoft.com/office/drawing/2014/main" id="{2201471E-5A0F-4CAA-908D-F9D789566359}"/>
+              </a:ext>
+            </a:extLst>
+          </p:cNvPr>
+          <p:cNvSpPr txBox="1">
+            <a:spLocks/>
+          </p:cNvSpPr>
+          <p:nvPr/>
+        </p:nvSpPr>
+        <p:spPr>
+          <a:xfrm>
+            <a:off x="7419431" y="2229494"/>
+            <a:ext cx="2262744" cy="427000"/>
+          </a:xfrm>
+          <a:prstGeom prst="rect">
+            <a:avLst/>
+          </a:prstGeom>
+        </p:spPr>
+        <p:txBody>
+          <a:bodyPr spcFirstLastPara="1" vert="horz" wrap="square" lIns="91425" tIns="91425" rIns="91425" bIns="91425" rtlCol="0" anchor="ctr" anchorCtr="0">
+            <a:noAutofit/>
+          </a:bodyPr>
+          <a:lstStyle>
+            <a:lvl1pPr marL="228600" indent="-228600" algn="l" defTabSz="914400" rtl="0" eaLnBrk="1" latinLnBrk="0" hangingPunct="1">
+              <a:lnSpc>
+                <a:spcPct val="90000"/>
+              </a:lnSpc>
+              <a:spcBef>
+                <a:spcPts val="1000"/>
+              </a:spcBef>
+              <a:buFont typeface="Arial" panose="020B0604020202020204" pitchFamily="34" charset="0"/>
+              <a:buChar char="•"/>
+              <a:defRPr sz="2800" kern="1200">
+                <a:solidFill>
+                  <a:schemeClr val="tx1"/>
+                </a:solidFill>
+                <a:latin typeface="+mn-lt"/>
+                <a:ea typeface="+mn-ea"/>
+                <a:cs typeface="+mn-cs"/>
+              </a:defRPr>
+            </a:lvl1pPr>
+            <a:lvl2pPr marL="685800" indent="-228600" algn="l" defTabSz="914400" rtl="0" eaLnBrk="1" latinLnBrk="0" hangingPunct="1">
+              <a:lnSpc>
+                <a:spcPct val="90000"/>
+              </a:lnSpc>
+              <a:spcBef>
+                <a:spcPts val="500"/>
+              </a:spcBef>
+              <a:buFont typeface="Arial" panose="020B0604020202020204" pitchFamily="34" charset="0"/>
+              <a:buChar char="•"/>
+              <a:defRPr sz="2400" kern="1200">
+                <a:solidFill>
+                  <a:schemeClr val="tx1"/>
+                </a:solidFill>
+                <a:latin typeface="+mn-lt"/>
+                <a:ea typeface="+mn-ea"/>
+                <a:cs typeface="+mn-cs"/>
+              </a:defRPr>
+            </a:lvl2pPr>
+            <a:lvl3pPr marL="1143000" indent="-228600" algn="l" defTabSz="914400" rtl="0" eaLnBrk="1" latinLnBrk="0" hangingPunct="1">
+              <a:lnSpc>
+                <a:spcPct val="90000"/>
+              </a:lnSpc>
+              <a:spcBef>
+                <a:spcPts val="500"/>
+              </a:spcBef>
+              <a:buFont typeface="Arial" panose="020B0604020202020204" pitchFamily="34" charset="0"/>
+              <a:buChar char="•"/>
+              <a:defRPr sz="2000" kern="1200">
+                <a:solidFill>
+                  <a:schemeClr val="tx1"/>
+                </a:solidFill>
+                <a:latin typeface="+mn-lt"/>
+                <a:ea typeface="+mn-ea"/>
+                <a:cs typeface="+mn-cs"/>
+              </a:defRPr>
+            </a:lvl3pPr>
+            <a:lvl4pPr marL="1600200" indent="-228600" algn="l" defTabSz="914400" rtl="0" eaLnBrk="1" latinLnBrk="0" hangingPunct="1">
+              <a:lnSpc>
+                <a:spcPct val="90000"/>
+              </a:lnSpc>
+              <a:spcBef>
+                <a:spcPts val="500"/>
+              </a:spcBef>
+              <a:buFont typeface="Arial" panose="020B0604020202020204" pitchFamily="34" charset="0"/>
+              <a:buChar char="•"/>
+              <a:defRPr sz="1800" kern="1200">
+                <a:solidFill>
+                  <a:schemeClr val="tx1"/>
+                </a:solidFill>
+                <a:latin typeface="+mn-lt"/>
+                <a:ea typeface="+mn-ea"/>
+                <a:cs typeface="+mn-cs"/>
+              </a:defRPr>
+            </a:lvl4pPr>
+            <a:lvl5pPr marL="2057400" indent="-228600" algn="l" defTabSz="914400" rtl="0" eaLnBrk="1" latinLnBrk="0" hangingPunct="1">
+              <a:lnSpc>
+                <a:spcPct val="90000"/>
+              </a:lnSpc>
+              <a:spcBef>
+                <a:spcPts val="500"/>
+              </a:spcBef>
+              <a:buFont typeface="Arial" panose="020B0604020202020204" pitchFamily="34" charset="0"/>
+              <a:buChar char="•"/>
+              <a:defRPr sz="1800" kern="1200">
+                <a:solidFill>
+                  <a:schemeClr val="tx1"/>
+                </a:solidFill>
+                <a:latin typeface="+mn-lt"/>
+                <a:ea typeface="+mn-ea"/>
+                <a:cs typeface="+mn-cs"/>
+              </a:defRPr>
+            </a:lvl5pPr>
+            <a:lvl6pPr marL="2514600" indent="-228600" algn="l" defTabSz="914400" rtl="0" eaLnBrk="1" latinLnBrk="0" hangingPunct="1">
+              <a:lnSpc>
+                <a:spcPct val="90000"/>
+              </a:lnSpc>
+              <a:spcBef>
+                <a:spcPts val="500"/>
+              </a:spcBef>
+              <a:buFont typeface="Arial" panose="020B0604020202020204" pitchFamily="34" charset="0"/>
+              <a:buChar char="•"/>
+              <a:defRPr sz="1800" kern="1200">
+                <a:solidFill>
+                  <a:schemeClr val="tx1"/>
+                </a:solidFill>
+                <a:latin typeface="+mn-lt"/>
+                <a:ea typeface="+mn-ea"/>
+                <a:cs typeface="+mn-cs"/>
+              </a:defRPr>
+            </a:lvl6pPr>
+            <a:lvl7pPr marL="2971800" indent="-228600" algn="l" defTabSz="914400" rtl="0" eaLnBrk="1" latinLnBrk="0" hangingPunct="1">
+              <a:lnSpc>
+                <a:spcPct val="90000"/>
+              </a:lnSpc>
+              <a:spcBef>
+                <a:spcPts val="500"/>
+              </a:spcBef>
+              <a:buFont typeface="Arial" panose="020B0604020202020204" pitchFamily="34" charset="0"/>
+              <a:buChar char="•"/>
+              <a:defRPr sz="1800" kern="1200">
+                <a:solidFill>
+                  <a:schemeClr val="tx1"/>
+                </a:solidFill>
+                <a:latin typeface="+mn-lt"/>
+                <a:ea typeface="+mn-ea"/>
+                <a:cs typeface="+mn-cs"/>
+              </a:defRPr>
+            </a:lvl7pPr>
+            <a:lvl8pPr marL="3429000" indent="-228600" algn="l" defTabSz="914400" rtl="0" eaLnBrk="1" latinLnBrk="0" hangingPunct="1">
+              <a:lnSpc>
+                <a:spcPct val="90000"/>
+              </a:lnSpc>
+              <a:spcBef>
+                <a:spcPts val="500"/>
+              </a:spcBef>
+              <a:buFont typeface="Arial" panose="020B0604020202020204" pitchFamily="34" charset="0"/>
+              <a:buChar char="•"/>
+              <a:defRPr sz="1800" kern="1200">
+                <a:solidFill>
+                  <a:schemeClr val="tx1"/>
+                </a:solidFill>
+                <a:latin typeface="+mn-lt"/>
+                <a:ea typeface="+mn-ea"/>
+                <a:cs typeface="+mn-cs"/>
+              </a:defRPr>
+            </a:lvl8pPr>
+            <a:lvl9pPr marL="3886200" indent="-228600" algn="l" defTabSz="914400" rtl="0" eaLnBrk="1" latinLnBrk="0" hangingPunct="1">
+              <a:lnSpc>
+                <a:spcPct val="90000"/>
+              </a:lnSpc>
+              <a:spcBef>
+                <a:spcPts val="500"/>
+              </a:spcBef>
+              <a:buFont typeface="Arial" panose="020B0604020202020204" pitchFamily="34" charset="0"/>
+              <a:buChar char="•"/>
+              <a:defRPr sz="1800" kern="1200">
+                <a:solidFill>
+                  <a:schemeClr val="tx1"/>
+                </a:solidFill>
+                <a:latin typeface="+mn-lt"/>
+                <a:ea typeface="+mn-ea"/>
+                <a:cs typeface="+mn-cs"/>
+              </a:defRPr>
+            </a:lvl9pPr>
+          </a:lstStyle>
+          <a:p>
+            <a:pPr marL="0" indent="0" algn="ctr">
+              <a:spcBef>
+                <a:spcPts val="0"/>
+              </a:spcBef>
+              <a:buFont typeface="Arial" panose="020B0604020202020204" pitchFamily="34" charset="0"/>
+              <a:buNone/>
+            </a:pPr>
+            <a:r>
+              <a:rPr lang="it-IT" dirty="0">
+                <a:solidFill>
+                  <a:srgbClr val="0000AB"/>
+                </a:solidFill>
+                <a:latin typeface="Lato"/>
+              </a:rPr>
+              <a:t>Back-end</a:t>
+            </a:r>
+          </a:p>
+        </p:txBody>
+      </p:sp>
+      <p:sp>
+        <p:nvSpPr>
+          <p:cNvPr id="11" name="Rettangolo 10">
+            <a:extLst>
+              <a:ext uri="{FF2B5EF4-FFF2-40B4-BE49-F238E27FC236}">
+                <a16:creationId xmlns:a16="http://schemas.microsoft.com/office/drawing/2014/main" id="{B14F39D7-EE1E-4A3F-8549-D02AE3E7EA95}"/>
+              </a:ext>
+            </a:extLst>
+          </p:cNvPr>
+          <p:cNvSpPr/>
+          <p:nvPr/>
+        </p:nvSpPr>
+        <p:spPr>
+          <a:xfrm>
+            <a:off x="7669061" y="2194076"/>
+            <a:ext cx="1763485" cy="497836"/>
+          </a:xfrm>
+          <a:prstGeom prst="rect">
+            <a:avLst/>
+          </a:prstGeom>
+          <a:noFill/>
+          <a:ln w="38100">
+            <a:solidFill>
+              <a:srgbClr val="0000AB"/>
+            </a:solidFill>
+          </a:ln>
+        </p:spPr>
+        <p:style>
+          <a:lnRef idx="2">
+            <a:schemeClr val="accent1">
+              <a:shade val="50000"/>
+            </a:schemeClr>
+          </a:lnRef>
+          <a:fillRef idx="1">
+            <a:schemeClr val="accent1"/>
+          </a:fillRef>
+          <a:effectRef idx="0">
+            <a:schemeClr val="accent1"/>
+          </a:effectRef>
+          <a:fontRef idx="minor">
+            <a:schemeClr val="lt1"/>
+          </a:fontRef>
+        </p:style>
+        <p:txBody>
+          <a:bodyPr rtlCol="0" anchor="ctr"/>
+          <a:lstStyle/>
+          <a:p>
+            <a:pPr algn="ctr"/>
+            <a:endParaRPr lang="it-IT"/>
+          </a:p>
+        </p:txBody>
+      </p:sp>
+      <p:cxnSp>
+        <p:nvCxnSpPr>
+          <p:cNvPr id="12" name="Google Shape;1640;p39">
+            <a:extLst>
+              <a:ext uri="{FF2B5EF4-FFF2-40B4-BE49-F238E27FC236}">
+                <a16:creationId xmlns:a16="http://schemas.microsoft.com/office/drawing/2014/main" id="{B15FE29D-86A5-4A15-866A-C71664FAEFF2}"/>
+              </a:ext>
+            </a:extLst>
+          </p:cNvPr>
+          <p:cNvCxnSpPr>
+            <a:cxnSpLocks/>
+            <a:stCxn id="11" idx="1"/>
+            <a:endCxn id="7" idx="3"/>
+          </p:cNvCxnSpPr>
+          <p:nvPr/>
+        </p:nvCxnSpPr>
+        <p:spPr>
+          <a:xfrm rot="10800000">
+            <a:off x="3793597" y="2442994"/>
+            <a:ext cx="3875465" cy="12700"/>
+          </a:xfrm>
+          <a:prstGeom prst="bentConnector3">
+            <a:avLst>
+              <a:gd name="adj1" fmla="val 100003"/>
+            </a:avLst>
+          </a:prstGeom>
+          <a:noFill/>
+          <a:ln w="38100" cap="flat" cmpd="sng">
+            <a:solidFill>
+              <a:srgbClr val="0000AB"/>
+            </a:solidFill>
+            <a:prstDash val="lgDashDot"/>
+            <a:round/>
+            <a:headEnd type="none" w="med" len="med"/>
+            <a:tailEnd type="none" w="med" len="med"/>
+          </a:ln>
+        </p:spPr>
+      </p:cxnSp>
+    </p:spTree>
+    <p:extLst>
+      <p:ext uri="{BB962C8B-B14F-4D97-AF65-F5344CB8AC3E}">
+        <p14:creationId xmlns:p14="http://schemas.microsoft.com/office/powerpoint/2010/main" val="4042731562"/>
       </p:ext>
     </p:extLst>
   </p:cSld>
